--- a/1st-Sem-Chem-Cycle/Subject_Files/chemistry/Unit 4/Unit 5 Class 45 - Polymers(Introduction,Addition and condensation polymerisation).pptx
+++ b/1st-Sem-Chem-Cycle/Subject_Files/chemistry/Unit 4/Unit 5 Class 45 - Polymers(Introduction,Addition and condensation polymerisation).pptx
@@ -132,7 +132,7 @@
   </p:defaultTextStyle>
   <p:extLst>
     <p:ext uri="{EFAFB233-063F-42B5-8137-9DF3F51BA10A}">
-      <p15:sldGuideLst xmlns="" xmlns:p15="http://schemas.microsoft.com/office/powerpoint/2012/main">
+      <p15:sldGuideLst xmlns:p15="http://schemas.microsoft.com/office/powerpoint/2012/main">
         <p15:guide id="1" orient="horz" pos="2160">
           <p15:clr>
             <a:srgbClr val="A4A3A4"/>
@@ -187,7 +187,7 @@
           <p:cNvPr id="2" name="Title 1">
             <a:extLst>
               <a:ext uri="{FF2B5EF4-FFF2-40B4-BE49-F238E27FC236}">
-                <a16:creationId xmlns="" xmlns:a16="http://schemas.microsoft.com/office/drawing/2014/main" id="{52EC3D4B-626B-4009-8192-CEAEED1423ED}"/>
+                <a16:creationId xmlns:a16="http://schemas.microsoft.com/office/drawing/2014/main" id="{52EC3D4B-626B-4009-8192-CEAEED1423ED}"/>
               </a:ext>
             </a:extLst>
           </p:cNvPr>
@@ -225,7 +225,7 @@
           <p:cNvPr id="3" name="Subtitle 2">
             <a:extLst>
               <a:ext uri="{FF2B5EF4-FFF2-40B4-BE49-F238E27FC236}">
-                <a16:creationId xmlns="" xmlns:a16="http://schemas.microsoft.com/office/drawing/2014/main" id="{6A51827C-B164-4C81-9990-CA48A6D6954F}"/>
+                <a16:creationId xmlns:a16="http://schemas.microsoft.com/office/drawing/2014/main" id="{6A51827C-B164-4C81-9990-CA48A6D6954F}"/>
               </a:ext>
             </a:extLst>
           </p:cNvPr>
@@ -296,7 +296,7 @@
           <p:cNvPr id="4" name="Date Placeholder 3">
             <a:extLst>
               <a:ext uri="{FF2B5EF4-FFF2-40B4-BE49-F238E27FC236}">
-                <a16:creationId xmlns="" xmlns:a16="http://schemas.microsoft.com/office/drawing/2014/main" id="{507DF93E-677D-48F6-8B5A-46E43F2C154F}"/>
+                <a16:creationId xmlns:a16="http://schemas.microsoft.com/office/drawing/2014/main" id="{507DF93E-677D-48F6-8B5A-46E43F2C154F}"/>
               </a:ext>
             </a:extLst>
           </p:cNvPr>
@@ -315,7 +315,7 @@
             <a:fld id="{C0697723-E498-4D64-BBB6-490ED1364AC9}" type="datetimeFigureOut">
               <a:rPr lang="en-IN" smtClean="0"/>
               <a:pPr/>
-              <a:t>23-01-2023</a:t>
+              <a:t>25-01-2025</a:t>
             </a:fld>
             <a:endParaRPr lang="en-IN"/>
           </a:p>
@@ -326,7 +326,7 @@
           <p:cNvPr id="5" name="Footer Placeholder 4">
             <a:extLst>
               <a:ext uri="{FF2B5EF4-FFF2-40B4-BE49-F238E27FC236}">
-                <a16:creationId xmlns="" xmlns:a16="http://schemas.microsoft.com/office/drawing/2014/main" id="{B1DF4446-763D-4DB5-A60E-E76234DDA4B8}"/>
+                <a16:creationId xmlns:a16="http://schemas.microsoft.com/office/drawing/2014/main" id="{B1DF4446-763D-4DB5-A60E-E76234DDA4B8}"/>
               </a:ext>
             </a:extLst>
           </p:cNvPr>
@@ -351,7 +351,7 @@
           <p:cNvPr id="6" name="Slide Number Placeholder 5">
             <a:extLst>
               <a:ext uri="{FF2B5EF4-FFF2-40B4-BE49-F238E27FC236}">
-                <a16:creationId xmlns="" xmlns:a16="http://schemas.microsoft.com/office/drawing/2014/main" id="{E782FF9A-F0E6-4BE5-A785-09D93A759624}"/>
+                <a16:creationId xmlns:a16="http://schemas.microsoft.com/office/drawing/2014/main" id="{E782FF9A-F0E6-4BE5-A785-09D93A759624}"/>
               </a:ext>
             </a:extLst>
           </p:cNvPr>
@@ -411,7 +411,7 @@
           <p:cNvPr id="2" name="Title 1">
             <a:extLst>
               <a:ext uri="{FF2B5EF4-FFF2-40B4-BE49-F238E27FC236}">
-                <a16:creationId xmlns="" xmlns:a16="http://schemas.microsoft.com/office/drawing/2014/main" id="{9BEE96CC-24D7-4AC0-845A-98CA572FE6D7}"/>
+                <a16:creationId xmlns:a16="http://schemas.microsoft.com/office/drawing/2014/main" id="{9BEE96CC-24D7-4AC0-845A-98CA572FE6D7}"/>
               </a:ext>
             </a:extLst>
           </p:cNvPr>
@@ -440,7 +440,7 @@
           <p:cNvPr id="3" name="Vertical Text Placeholder 2">
             <a:extLst>
               <a:ext uri="{FF2B5EF4-FFF2-40B4-BE49-F238E27FC236}">
-                <a16:creationId xmlns="" xmlns:a16="http://schemas.microsoft.com/office/drawing/2014/main" id="{E2261921-3E80-4007-9849-91F4F1D9CF42}"/>
+                <a16:creationId xmlns:a16="http://schemas.microsoft.com/office/drawing/2014/main" id="{E2261921-3E80-4007-9849-91F4F1D9CF42}"/>
               </a:ext>
             </a:extLst>
           </p:cNvPr>
@@ -498,7 +498,7 @@
           <p:cNvPr id="4" name="Date Placeholder 3">
             <a:extLst>
               <a:ext uri="{FF2B5EF4-FFF2-40B4-BE49-F238E27FC236}">
-                <a16:creationId xmlns="" xmlns:a16="http://schemas.microsoft.com/office/drawing/2014/main" id="{26A091F3-2079-48AC-A58B-4C729775D003}"/>
+                <a16:creationId xmlns:a16="http://schemas.microsoft.com/office/drawing/2014/main" id="{26A091F3-2079-48AC-A58B-4C729775D003}"/>
               </a:ext>
             </a:extLst>
           </p:cNvPr>
@@ -517,7 +517,7 @@
             <a:fld id="{C0697723-E498-4D64-BBB6-490ED1364AC9}" type="datetimeFigureOut">
               <a:rPr lang="en-IN" smtClean="0"/>
               <a:pPr/>
-              <a:t>23-01-2023</a:t>
+              <a:t>25-01-2025</a:t>
             </a:fld>
             <a:endParaRPr lang="en-IN"/>
           </a:p>
@@ -528,7 +528,7 @@
           <p:cNvPr id="5" name="Footer Placeholder 4">
             <a:extLst>
               <a:ext uri="{FF2B5EF4-FFF2-40B4-BE49-F238E27FC236}">
-                <a16:creationId xmlns="" xmlns:a16="http://schemas.microsoft.com/office/drawing/2014/main" id="{42536A67-7BBF-4557-B86C-E3D43DA80591}"/>
+                <a16:creationId xmlns:a16="http://schemas.microsoft.com/office/drawing/2014/main" id="{42536A67-7BBF-4557-B86C-E3D43DA80591}"/>
               </a:ext>
             </a:extLst>
           </p:cNvPr>
@@ -553,7 +553,7 @@
           <p:cNvPr id="6" name="Slide Number Placeholder 5">
             <a:extLst>
               <a:ext uri="{FF2B5EF4-FFF2-40B4-BE49-F238E27FC236}">
-                <a16:creationId xmlns="" xmlns:a16="http://schemas.microsoft.com/office/drawing/2014/main" id="{87DF2A7F-20B3-4FEC-B2FB-22B3B56A9620}"/>
+                <a16:creationId xmlns:a16="http://schemas.microsoft.com/office/drawing/2014/main" id="{87DF2A7F-20B3-4FEC-B2FB-22B3B56A9620}"/>
               </a:ext>
             </a:extLst>
           </p:cNvPr>
@@ -613,7 +613,7 @@
           <p:cNvPr id="2" name="Vertical Title 1">
             <a:extLst>
               <a:ext uri="{FF2B5EF4-FFF2-40B4-BE49-F238E27FC236}">
-                <a16:creationId xmlns="" xmlns:a16="http://schemas.microsoft.com/office/drawing/2014/main" id="{FC974505-5F88-4C68-B044-B90A875A128E}"/>
+                <a16:creationId xmlns:a16="http://schemas.microsoft.com/office/drawing/2014/main" id="{FC974505-5F88-4C68-B044-B90A875A128E}"/>
               </a:ext>
             </a:extLst>
           </p:cNvPr>
@@ -647,7 +647,7 @@
           <p:cNvPr id="3" name="Vertical Text Placeholder 2">
             <a:extLst>
               <a:ext uri="{FF2B5EF4-FFF2-40B4-BE49-F238E27FC236}">
-                <a16:creationId xmlns="" xmlns:a16="http://schemas.microsoft.com/office/drawing/2014/main" id="{98154938-180F-400A-A444-2DAC9B404CB0}"/>
+                <a16:creationId xmlns:a16="http://schemas.microsoft.com/office/drawing/2014/main" id="{98154938-180F-400A-A444-2DAC9B404CB0}"/>
               </a:ext>
             </a:extLst>
           </p:cNvPr>
@@ -710,7 +710,7 @@
           <p:cNvPr id="4" name="Date Placeholder 3">
             <a:extLst>
               <a:ext uri="{FF2B5EF4-FFF2-40B4-BE49-F238E27FC236}">
-                <a16:creationId xmlns="" xmlns:a16="http://schemas.microsoft.com/office/drawing/2014/main" id="{C744BC1C-22DF-43AD-B4A1-B55EB4C01F8A}"/>
+                <a16:creationId xmlns:a16="http://schemas.microsoft.com/office/drawing/2014/main" id="{C744BC1C-22DF-43AD-B4A1-B55EB4C01F8A}"/>
               </a:ext>
             </a:extLst>
           </p:cNvPr>
@@ -729,7 +729,7 @@
             <a:fld id="{C0697723-E498-4D64-BBB6-490ED1364AC9}" type="datetimeFigureOut">
               <a:rPr lang="en-IN" smtClean="0"/>
               <a:pPr/>
-              <a:t>23-01-2023</a:t>
+              <a:t>25-01-2025</a:t>
             </a:fld>
             <a:endParaRPr lang="en-IN"/>
           </a:p>
@@ -740,7 +740,7 @@
           <p:cNvPr id="5" name="Footer Placeholder 4">
             <a:extLst>
               <a:ext uri="{FF2B5EF4-FFF2-40B4-BE49-F238E27FC236}">
-                <a16:creationId xmlns="" xmlns:a16="http://schemas.microsoft.com/office/drawing/2014/main" id="{1C439F43-011E-4BE1-A79A-17FE1495CC2F}"/>
+                <a16:creationId xmlns:a16="http://schemas.microsoft.com/office/drawing/2014/main" id="{1C439F43-011E-4BE1-A79A-17FE1495CC2F}"/>
               </a:ext>
             </a:extLst>
           </p:cNvPr>
@@ -765,7 +765,7 @@
           <p:cNvPr id="6" name="Slide Number Placeholder 5">
             <a:extLst>
               <a:ext uri="{FF2B5EF4-FFF2-40B4-BE49-F238E27FC236}">
-                <a16:creationId xmlns="" xmlns:a16="http://schemas.microsoft.com/office/drawing/2014/main" id="{A3025448-2680-4648-B696-07B726E5BEA4}"/>
+                <a16:creationId xmlns:a16="http://schemas.microsoft.com/office/drawing/2014/main" id="{A3025448-2680-4648-B696-07B726E5BEA4}"/>
               </a:ext>
             </a:extLst>
           </p:cNvPr>
@@ -825,7 +825,7 @@
           <p:cNvPr id="2" name="Title 1">
             <a:extLst>
               <a:ext uri="{FF2B5EF4-FFF2-40B4-BE49-F238E27FC236}">
-                <a16:creationId xmlns="" xmlns:a16="http://schemas.microsoft.com/office/drawing/2014/main" id="{617E7D49-DB18-4481-BBAD-3CCDB0B6E136}"/>
+                <a16:creationId xmlns:a16="http://schemas.microsoft.com/office/drawing/2014/main" id="{617E7D49-DB18-4481-BBAD-3CCDB0B6E136}"/>
               </a:ext>
             </a:extLst>
           </p:cNvPr>
@@ -854,7 +854,7 @@
           <p:cNvPr id="3" name="Content Placeholder 2">
             <a:extLst>
               <a:ext uri="{FF2B5EF4-FFF2-40B4-BE49-F238E27FC236}">
-                <a16:creationId xmlns="" xmlns:a16="http://schemas.microsoft.com/office/drawing/2014/main" id="{37B48B0F-E770-4648-80B0-0B9A177348F8}"/>
+                <a16:creationId xmlns:a16="http://schemas.microsoft.com/office/drawing/2014/main" id="{37B48B0F-E770-4648-80B0-0B9A177348F8}"/>
               </a:ext>
             </a:extLst>
           </p:cNvPr>
@@ -912,7 +912,7 @@
           <p:cNvPr id="4" name="Date Placeholder 3">
             <a:extLst>
               <a:ext uri="{FF2B5EF4-FFF2-40B4-BE49-F238E27FC236}">
-                <a16:creationId xmlns="" xmlns:a16="http://schemas.microsoft.com/office/drawing/2014/main" id="{8689BBA6-35F4-4C69-B817-8B6D5B3C7F64}"/>
+                <a16:creationId xmlns:a16="http://schemas.microsoft.com/office/drawing/2014/main" id="{8689BBA6-35F4-4C69-B817-8B6D5B3C7F64}"/>
               </a:ext>
             </a:extLst>
           </p:cNvPr>
@@ -931,7 +931,7 @@
             <a:fld id="{C0697723-E498-4D64-BBB6-490ED1364AC9}" type="datetimeFigureOut">
               <a:rPr lang="en-IN" smtClean="0"/>
               <a:pPr/>
-              <a:t>23-01-2023</a:t>
+              <a:t>25-01-2025</a:t>
             </a:fld>
             <a:endParaRPr lang="en-IN"/>
           </a:p>
@@ -942,7 +942,7 @@
           <p:cNvPr id="5" name="Footer Placeholder 4">
             <a:extLst>
               <a:ext uri="{FF2B5EF4-FFF2-40B4-BE49-F238E27FC236}">
-                <a16:creationId xmlns="" xmlns:a16="http://schemas.microsoft.com/office/drawing/2014/main" id="{1F6B119B-E4E0-4014-B1F1-495E208A0C63}"/>
+                <a16:creationId xmlns:a16="http://schemas.microsoft.com/office/drawing/2014/main" id="{1F6B119B-E4E0-4014-B1F1-495E208A0C63}"/>
               </a:ext>
             </a:extLst>
           </p:cNvPr>
@@ -967,7 +967,7 @@
           <p:cNvPr id="6" name="Slide Number Placeholder 5">
             <a:extLst>
               <a:ext uri="{FF2B5EF4-FFF2-40B4-BE49-F238E27FC236}">
-                <a16:creationId xmlns="" xmlns:a16="http://schemas.microsoft.com/office/drawing/2014/main" id="{19B45A5E-AE1B-4A92-B64A-2F8A4786E1A2}"/>
+                <a16:creationId xmlns:a16="http://schemas.microsoft.com/office/drawing/2014/main" id="{19B45A5E-AE1B-4A92-B64A-2F8A4786E1A2}"/>
               </a:ext>
             </a:extLst>
           </p:cNvPr>
@@ -1027,7 +1027,7 @@
           <p:cNvPr id="2" name="Title 1">
             <a:extLst>
               <a:ext uri="{FF2B5EF4-FFF2-40B4-BE49-F238E27FC236}">
-                <a16:creationId xmlns="" xmlns:a16="http://schemas.microsoft.com/office/drawing/2014/main" id="{B208196D-BED0-4BD8-AB4C-B2B3CCC7D5E0}"/>
+                <a16:creationId xmlns:a16="http://schemas.microsoft.com/office/drawing/2014/main" id="{B208196D-BED0-4BD8-AB4C-B2B3CCC7D5E0}"/>
               </a:ext>
             </a:extLst>
           </p:cNvPr>
@@ -1065,7 +1065,7 @@
           <p:cNvPr id="3" name="Text Placeholder 2">
             <a:extLst>
               <a:ext uri="{FF2B5EF4-FFF2-40B4-BE49-F238E27FC236}">
-                <a16:creationId xmlns="" xmlns:a16="http://schemas.microsoft.com/office/drawing/2014/main" id="{0CC613EC-F0A0-4466-A6C2-D28B863D15D2}"/>
+                <a16:creationId xmlns:a16="http://schemas.microsoft.com/office/drawing/2014/main" id="{0CC613EC-F0A0-4466-A6C2-D28B863D15D2}"/>
               </a:ext>
             </a:extLst>
           </p:cNvPr>
@@ -1190,7 +1190,7 @@
           <p:cNvPr id="4" name="Date Placeholder 3">
             <a:extLst>
               <a:ext uri="{FF2B5EF4-FFF2-40B4-BE49-F238E27FC236}">
-                <a16:creationId xmlns="" xmlns:a16="http://schemas.microsoft.com/office/drawing/2014/main" id="{A3CF7A95-22EE-4F22-AEDA-C190D2F87D01}"/>
+                <a16:creationId xmlns:a16="http://schemas.microsoft.com/office/drawing/2014/main" id="{A3CF7A95-22EE-4F22-AEDA-C190D2F87D01}"/>
               </a:ext>
             </a:extLst>
           </p:cNvPr>
@@ -1209,7 +1209,7 @@
             <a:fld id="{C0697723-E498-4D64-BBB6-490ED1364AC9}" type="datetimeFigureOut">
               <a:rPr lang="en-IN" smtClean="0"/>
               <a:pPr/>
-              <a:t>23-01-2023</a:t>
+              <a:t>25-01-2025</a:t>
             </a:fld>
             <a:endParaRPr lang="en-IN"/>
           </a:p>
@@ -1220,7 +1220,7 @@
           <p:cNvPr id="5" name="Footer Placeholder 4">
             <a:extLst>
               <a:ext uri="{FF2B5EF4-FFF2-40B4-BE49-F238E27FC236}">
-                <a16:creationId xmlns="" xmlns:a16="http://schemas.microsoft.com/office/drawing/2014/main" id="{7C385F91-0601-4D65-A3E8-CFDC20A77501}"/>
+                <a16:creationId xmlns:a16="http://schemas.microsoft.com/office/drawing/2014/main" id="{7C385F91-0601-4D65-A3E8-CFDC20A77501}"/>
               </a:ext>
             </a:extLst>
           </p:cNvPr>
@@ -1245,7 +1245,7 @@
           <p:cNvPr id="6" name="Slide Number Placeholder 5">
             <a:extLst>
               <a:ext uri="{FF2B5EF4-FFF2-40B4-BE49-F238E27FC236}">
-                <a16:creationId xmlns="" xmlns:a16="http://schemas.microsoft.com/office/drawing/2014/main" id="{88D0A9F0-9DDE-4015-8C5C-5C9D6B60DDA0}"/>
+                <a16:creationId xmlns:a16="http://schemas.microsoft.com/office/drawing/2014/main" id="{88D0A9F0-9DDE-4015-8C5C-5C9D6B60DDA0}"/>
               </a:ext>
             </a:extLst>
           </p:cNvPr>
@@ -1305,7 +1305,7 @@
           <p:cNvPr id="2" name="Title 1">
             <a:extLst>
               <a:ext uri="{FF2B5EF4-FFF2-40B4-BE49-F238E27FC236}">
-                <a16:creationId xmlns="" xmlns:a16="http://schemas.microsoft.com/office/drawing/2014/main" id="{708E85AF-03C6-4B44-A538-43B0427D31F4}"/>
+                <a16:creationId xmlns:a16="http://schemas.microsoft.com/office/drawing/2014/main" id="{708E85AF-03C6-4B44-A538-43B0427D31F4}"/>
               </a:ext>
             </a:extLst>
           </p:cNvPr>
@@ -1334,7 +1334,7 @@
           <p:cNvPr id="3" name="Content Placeholder 2">
             <a:extLst>
               <a:ext uri="{FF2B5EF4-FFF2-40B4-BE49-F238E27FC236}">
-                <a16:creationId xmlns="" xmlns:a16="http://schemas.microsoft.com/office/drawing/2014/main" id="{83C33EE5-59F6-4A1A-AE1E-8765B2B76361}"/>
+                <a16:creationId xmlns:a16="http://schemas.microsoft.com/office/drawing/2014/main" id="{83C33EE5-59F6-4A1A-AE1E-8765B2B76361}"/>
               </a:ext>
             </a:extLst>
           </p:cNvPr>
@@ -1397,7 +1397,7 @@
           <p:cNvPr id="4" name="Content Placeholder 3">
             <a:extLst>
               <a:ext uri="{FF2B5EF4-FFF2-40B4-BE49-F238E27FC236}">
-                <a16:creationId xmlns="" xmlns:a16="http://schemas.microsoft.com/office/drawing/2014/main" id="{1D9D6861-A242-46E3-9BF3-A0C8A8DBB45B}"/>
+                <a16:creationId xmlns:a16="http://schemas.microsoft.com/office/drawing/2014/main" id="{1D9D6861-A242-46E3-9BF3-A0C8A8DBB45B}"/>
               </a:ext>
             </a:extLst>
           </p:cNvPr>
@@ -1460,7 +1460,7 @@
           <p:cNvPr id="5" name="Date Placeholder 4">
             <a:extLst>
               <a:ext uri="{FF2B5EF4-FFF2-40B4-BE49-F238E27FC236}">
-                <a16:creationId xmlns="" xmlns:a16="http://schemas.microsoft.com/office/drawing/2014/main" id="{6A9D4037-319B-46C2-9889-B7EE91425689}"/>
+                <a16:creationId xmlns:a16="http://schemas.microsoft.com/office/drawing/2014/main" id="{6A9D4037-319B-46C2-9889-B7EE91425689}"/>
               </a:ext>
             </a:extLst>
           </p:cNvPr>
@@ -1479,7 +1479,7 @@
             <a:fld id="{C0697723-E498-4D64-BBB6-490ED1364AC9}" type="datetimeFigureOut">
               <a:rPr lang="en-IN" smtClean="0"/>
               <a:pPr/>
-              <a:t>23-01-2023</a:t>
+              <a:t>25-01-2025</a:t>
             </a:fld>
             <a:endParaRPr lang="en-IN"/>
           </a:p>
@@ -1490,7 +1490,7 @@
           <p:cNvPr id="6" name="Footer Placeholder 5">
             <a:extLst>
               <a:ext uri="{FF2B5EF4-FFF2-40B4-BE49-F238E27FC236}">
-                <a16:creationId xmlns="" xmlns:a16="http://schemas.microsoft.com/office/drawing/2014/main" id="{C1EE4E15-6B43-42E0-9689-9D809E7745C4}"/>
+                <a16:creationId xmlns:a16="http://schemas.microsoft.com/office/drawing/2014/main" id="{C1EE4E15-6B43-42E0-9689-9D809E7745C4}"/>
               </a:ext>
             </a:extLst>
           </p:cNvPr>
@@ -1515,7 +1515,7 @@
           <p:cNvPr id="7" name="Slide Number Placeholder 6">
             <a:extLst>
               <a:ext uri="{FF2B5EF4-FFF2-40B4-BE49-F238E27FC236}">
-                <a16:creationId xmlns="" xmlns:a16="http://schemas.microsoft.com/office/drawing/2014/main" id="{9E5B8A2C-7787-42C7-9053-9FAC49800765}"/>
+                <a16:creationId xmlns:a16="http://schemas.microsoft.com/office/drawing/2014/main" id="{9E5B8A2C-7787-42C7-9053-9FAC49800765}"/>
               </a:ext>
             </a:extLst>
           </p:cNvPr>
@@ -1575,7 +1575,7 @@
           <p:cNvPr id="2" name="Title 1">
             <a:extLst>
               <a:ext uri="{FF2B5EF4-FFF2-40B4-BE49-F238E27FC236}">
-                <a16:creationId xmlns="" xmlns:a16="http://schemas.microsoft.com/office/drawing/2014/main" id="{13FD7F82-17CF-402C-A83C-9BB0B0450C87}"/>
+                <a16:creationId xmlns:a16="http://schemas.microsoft.com/office/drawing/2014/main" id="{13FD7F82-17CF-402C-A83C-9BB0B0450C87}"/>
               </a:ext>
             </a:extLst>
           </p:cNvPr>
@@ -1609,7 +1609,7 @@
           <p:cNvPr id="3" name="Text Placeholder 2">
             <a:extLst>
               <a:ext uri="{FF2B5EF4-FFF2-40B4-BE49-F238E27FC236}">
-                <a16:creationId xmlns="" xmlns:a16="http://schemas.microsoft.com/office/drawing/2014/main" id="{AD6925B8-18E2-4648-9C7D-9A50568E686B}"/>
+                <a16:creationId xmlns:a16="http://schemas.microsoft.com/office/drawing/2014/main" id="{AD6925B8-18E2-4648-9C7D-9A50568E686B}"/>
               </a:ext>
             </a:extLst>
           </p:cNvPr>
@@ -1680,7 +1680,7 @@
           <p:cNvPr id="4" name="Content Placeholder 3">
             <a:extLst>
               <a:ext uri="{FF2B5EF4-FFF2-40B4-BE49-F238E27FC236}">
-                <a16:creationId xmlns="" xmlns:a16="http://schemas.microsoft.com/office/drawing/2014/main" id="{63ECAC91-5516-49CF-ABB2-BDCA1101D993}"/>
+                <a16:creationId xmlns:a16="http://schemas.microsoft.com/office/drawing/2014/main" id="{63ECAC91-5516-49CF-ABB2-BDCA1101D993}"/>
               </a:ext>
             </a:extLst>
           </p:cNvPr>
@@ -1743,7 +1743,7 @@
           <p:cNvPr id="5" name="Text Placeholder 4">
             <a:extLst>
               <a:ext uri="{FF2B5EF4-FFF2-40B4-BE49-F238E27FC236}">
-                <a16:creationId xmlns="" xmlns:a16="http://schemas.microsoft.com/office/drawing/2014/main" id="{A13B518C-5424-4D17-AE61-73B5540B3F5C}"/>
+                <a16:creationId xmlns:a16="http://schemas.microsoft.com/office/drawing/2014/main" id="{A13B518C-5424-4D17-AE61-73B5540B3F5C}"/>
               </a:ext>
             </a:extLst>
           </p:cNvPr>
@@ -1814,7 +1814,7 @@
           <p:cNvPr id="6" name="Content Placeholder 5">
             <a:extLst>
               <a:ext uri="{FF2B5EF4-FFF2-40B4-BE49-F238E27FC236}">
-                <a16:creationId xmlns="" xmlns:a16="http://schemas.microsoft.com/office/drawing/2014/main" id="{7418E488-5143-4637-878A-8024B768B637}"/>
+                <a16:creationId xmlns:a16="http://schemas.microsoft.com/office/drawing/2014/main" id="{7418E488-5143-4637-878A-8024B768B637}"/>
               </a:ext>
             </a:extLst>
           </p:cNvPr>
@@ -1877,7 +1877,7 @@
           <p:cNvPr id="7" name="Date Placeholder 6">
             <a:extLst>
               <a:ext uri="{FF2B5EF4-FFF2-40B4-BE49-F238E27FC236}">
-                <a16:creationId xmlns="" xmlns:a16="http://schemas.microsoft.com/office/drawing/2014/main" id="{12F92FE0-EADD-43E3-B191-7F6FEA9C81E6}"/>
+                <a16:creationId xmlns:a16="http://schemas.microsoft.com/office/drawing/2014/main" id="{12F92FE0-EADD-43E3-B191-7F6FEA9C81E6}"/>
               </a:ext>
             </a:extLst>
           </p:cNvPr>
@@ -1896,7 +1896,7 @@
             <a:fld id="{C0697723-E498-4D64-BBB6-490ED1364AC9}" type="datetimeFigureOut">
               <a:rPr lang="en-IN" smtClean="0"/>
               <a:pPr/>
-              <a:t>23-01-2023</a:t>
+              <a:t>25-01-2025</a:t>
             </a:fld>
             <a:endParaRPr lang="en-IN"/>
           </a:p>
@@ -1907,7 +1907,7 @@
           <p:cNvPr id="8" name="Footer Placeholder 7">
             <a:extLst>
               <a:ext uri="{FF2B5EF4-FFF2-40B4-BE49-F238E27FC236}">
-                <a16:creationId xmlns="" xmlns:a16="http://schemas.microsoft.com/office/drawing/2014/main" id="{FD4604E9-CD41-4846-B48F-03B22B3709D6}"/>
+                <a16:creationId xmlns:a16="http://schemas.microsoft.com/office/drawing/2014/main" id="{FD4604E9-CD41-4846-B48F-03B22B3709D6}"/>
               </a:ext>
             </a:extLst>
           </p:cNvPr>
@@ -1932,7 +1932,7 @@
           <p:cNvPr id="9" name="Slide Number Placeholder 8">
             <a:extLst>
               <a:ext uri="{FF2B5EF4-FFF2-40B4-BE49-F238E27FC236}">
-                <a16:creationId xmlns="" xmlns:a16="http://schemas.microsoft.com/office/drawing/2014/main" id="{5AFE060F-933B-49D3-8FF3-B0DEF9DC6484}"/>
+                <a16:creationId xmlns:a16="http://schemas.microsoft.com/office/drawing/2014/main" id="{5AFE060F-933B-49D3-8FF3-B0DEF9DC6484}"/>
               </a:ext>
             </a:extLst>
           </p:cNvPr>
@@ -1992,7 +1992,7 @@
           <p:cNvPr id="2" name="Title 1">
             <a:extLst>
               <a:ext uri="{FF2B5EF4-FFF2-40B4-BE49-F238E27FC236}">
-                <a16:creationId xmlns="" xmlns:a16="http://schemas.microsoft.com/office/drawing/2014/main" id="{72D133CA-B572-4BA7-A189-A42C96F1089A}"/>
+                <a16:creationId xmlns:a16="http://schemas.microsoft.com/office/drawing/2014/main" id="{72D133CA-B572-4BA7-A189-A42C96F1089A}"/>
               </a:ext>
             </a:extLst>
           </p:cNvPr>
@@ -2021,7 +2021,7 @@
           <p:cNvPr id="3" name="Date Placeholder 2">
             <a:extLst>
               <a:ext uri="{FF2B5EF4-FFF2-40B4-BE49-F238E27FC236}">
-                <a16:creationId xmlns="" xmlns:a16="http://schemas.microsoft.com/office/drawing/2014/main" id="{28BA2B92-6276-46C5-8418-926229142AF0}"/>
+                <a16:creationId xmlns:a16="http://schemas.microsoft.com/office/drawing/2014/main" id="{28BA2B92-6276-46C5-8418-926229142AF0}"/>
               </a:ext>
             </a:extLst>
           </p:cNvPr>
@@ -2040,7 +2040,7 @@
             <a:fld id="{C0697723-E498-4D64-BBB6-490ED1364AC9}" type="datetimeFigureOut">
               <a:rPr lang="en-IN" smtClean="0"/>
               <a:pPr/>
-              <a:t>23-01-2023</a:t>
+              <a:t>25-01-2025</a:t>
             </a:fld>
             <a:endParaRPr lang="en-IN"/>
           </a:p>
@@ -2051,7 +2051,7 @@
           <p:cNvPr id="4" name="Footer Placeholder 3">
             <a:extLst>
               <a:ext uri="{FF2B5EF4-FFF2-40B4-BE49-F238E27FC236}">
-                <a16:creationId xmlns="" xmlns:a16="http://schemas.microsoft.com/office/drawing/2014/main" id="{ADC7E3F1-B21B-41C5-BFFE-A0D23D01EE20}"/>
+                <a16:creationId xmlns:a16="http://schemas.microsoft.com/office/drawing/2014/main" id="{ADC7E3F1-B21B-41C5-BFFE-A0D23D01EE20}"/>
               </a:ext>
             </a:extLst>
           </p:cNvPr>
@@ -2076,7 +2076,7 @@
           <p:cNvPr id="5" name="Slide Number Placeholder 4">
             <a:extLst>
               <a:ext uri="{FF2B5EF4-FFF2-40B4-BE49-F238E27FC236}">
-                <a16:creationId xmlns="" xmlns:a16="http://schemas.microsoft.com/office/drawing/2014/main" id="{A033B9AF-625C-4788-81E5-2B790AE33D0F}"/>
+                <a16:creationId xmlns:a16="http://schemas.microsoft.com/office/drawing/2014/main" id="{A033B9AF-625C-4788-81E5-2B790AE33D0F}"/>
               </a:ext>
             </a:extLst>
           </p:cNvPr>
@@ -2136,7 +2136,7 @@
           <p:cNvPr id="2" name="Date Placeholder 1">
             <a:extLst>
               <a:ext uri="{FF2B5EF4-FFF2-40B4-BE49-F238E27FC236}">
-                <a16:creationId xmlns="" xmlns:a16="http://schemas.microsoft.com/office/drawing/2014/main" id="{7034E3B9-7089-4D8E-9F92-ED9350E73E40}"/>
+                <a16:creationId xmlns:a16="http://schemas.microsoft.com/office/drawing/2014/main" id="{7034E3B9-7089-4D8E-9F92-ED9350E73E40}"/>
               </a:ext>
             </a:extLst>
           </p:cNvPr>
@@ -2155,7 +2155,7 @@
             <a:fld id="{C0697723-E498-4D64-BBB6-490ED1364AC9}" type="datetimeFigureOut">
               <a:rPr lang="en-IN" smtClean="0"/>
               <a:pPr/>
-              <a:t>23-01-2023</a:t>
+              <a:t>25-01-2025</a:t>
             </a:fld>
             <a:endParaRPr lang="en-IN"/>
           </a:p>
@@ -2166,7 +2166,7 @@
           <p:cNvPr id="3" name="Footer Placeholder 2">
             <a:extLst>
               <a:ext uri="{FF2B5EF4-FFF2-40B4-BE49-F238E27FC236}">
-                <a16:creationId xmlns="" xmlns:a16="http://schemas.microsoft.com/office/drawing/2014/main" id="{C85D6F49-DBB0-4783-8669-C7B8A7030AFD}"/>
+                <a16:creationId xmlns:a16="http://schemas.microsoft.com/office/drawing/2014/main" id="{C85D6F49-DBB0-4783-8669-C7B8A7030AFD}"/>
               </a:ext>
             </a:extLst>
           </p:cNvPr>
@@ -2191,7 +2191,7 @@
           <p:cNvPr id="4" name="Slide Number Placeholder 3">
             <a:extLst>
               <a:ext uri="{FF2B5EF4-FFF2-40B4-BE49-F238E27FC236}">
-                <a16:creationId xmlns="" xmlns:a16="http://schemas.microsoft.com/office/drawing/2014/main" id="{68775C0C-F413-41B7-B055-646B0BFD3A09}"/>
+                <a16:creationId xmlns:a16="http://schemas.microsoft.com/office/drawing/2014/main" id="{68775C0C-F413-41B7-B055-646B0BFD3A09}"/>
               </a:ext>
             </a:extLst>
           </p:cNvPr>
@@ -2251,7 +2251,7 @@
           <p:cNvPr id="2" name="Title 1">
             <a:extLst>
               <a:ext uri="{FF2B5EF4-FFF2-40B4-BE49-F238E27FC236}">
-                <a16:creationId xmlns="" xmlns:a16="http://schemas.microsoft.com/office/drawing/2014/main" id="{0525262E-9CC6-4471-87B5-E96BB4A83927}"/>
+                <a16:creationId xmlns:a16="http://schemas.microsoft.com/office/drawing/2014/main" id="{0525262E-9CC6-4471-87B5-E96BB4A83927}"/>
               </a:ext>
             </a:extLst>
           </p:cNvPr>
@@ -2289,7 +2289,7 @@
           <p:cNvPr id="3" name="Content Placeholder 2">
             <a:extLst>
               <a:ext uri="{FF2B5EF4-FFF2-40B4-BE49-F238E27FC236}">
-                <a16:creationId xmlns="" xmlns:a16="http://schemas.microsoft.com/office/drawing/2014/main" id="{CC85306A-CD4B-46EE-9161-2B0A130F2AF4}"/>
+                <a16:creationId xmlns:a16="http://schemas.microsoft.com/office/drawing/2014/main" id="{CC85306A-CD4B-46EE-9161-2B0A130F2AF4}"/>
               </a:ext>
             </a:extLst>
           </p:cNvPr>
@@ -2380,7 +2380,7 @@
           <p:cNvPr id="4" name="Text Placeholder 3">
             <a:extLst>
               <a:ext uri="{FF2B5EF4-FFF2-40B4-BE49-F238E27FC236}">
-                <a16:creationId xmlns="" xmlns:a16="http://schemas.microsoft.com/office/drawing/2014/main" id="{17A59BE6-9514-4D99-A003-32E53BEDF6F1}"/>
+                <a16:creationId xmlns:a16="http://schemas.microsoft.com/office/drawing/2014/main" id="{17A59BE6-9514-4D99-A003-32E53BEDF6F1}"/>
               </a:ext>
             </a:extLst>
           </p:cNvPr>
@@ -2451,7 +2451,7 @@
           <p:cNvPr id="5" name="Date Placeholder 4">
             <a:extLst>
               <a:ext uri="{FF2B5EF4-FFF2-40B4-BE49-F238E27FC236}">
-                <a16:creationId xmlns="" xmlns:a16="http://schemas.microsoft.com/office/drawing/2014/main" id="{051144FC-DE55-4C66-B467-EE320664508C}"/>
+                <a16:creationId xmlns:a16="http://schemas.microsoft.com/office/drawing/2014/main" id="{051144FC-DE55-4C66-B467-EE320664508C}"/>
               </a:ext>
             </a:extLst>
           </p:cNvPr>
@@ -2470,7 +2470,7 @@
             <a:fld id="{C0697723-E498-4D64-BBB6-490ED1364AC9}" type="datetimeFigureOut">
               <a:rPr lang="en-IN" smtClean="0"/>
               <a:pPr/>
-              <a:t>23-01-2023</a:t>
+              <a:t>25-01-2025</a:t>
             </a:fld>
             <a:endParaRPr lang="en-IN"/>
           </a:p>
@@ -2481,7 +2481,7 @@
           <p:cNvPr id="6" name="Footer Placeholder 5">
             <a:extLst>
               <a:ext uri="{FF2B5EF4-FFF2-40B4-BE49-F238E27FC236}">
-                <a16:creationId xmlns="" xmlns:a16="http://schemas.microsoft.com/office/drawing/2014/main" id="{7ABC472B-5E7F-485E-A706-89B79D412CBF}"/>
+                <a16:creationId xmlns:a16="http://schemas.microsoft.com/office/drawing/2014/main" id="{7ABC472B-5E7F-485E-A706-89B79D412CBF}"/>
               </a:ext>
             </a:extLst>
           </p:cNvPr>
@@ -2506,7 +2506,7 @@
           <p:cNvPr id="7" name="Slide Number Placeholder 6">
             <a:extLst>
               <a:ext uri="{FF2B5EF4-FFF2-40B4-BE49-F238E27FC236}">
-                <a16:creationId xmlns="" xmlns:a16="http://schemas.microsoft.com/office/drawing/2014/main" id="{7556C44B-3BC6-40D9-94ED-B0796F8E1329}"/>
+                <a16:creationId xmlns:a16="http://schemas.microsoft.com/office/drawing/2014/main" id="{7556C44B-3BC6-40D9-94ED-B0796F8E1329}"/>
               </a:ext>
             </a:extLst>
           </p:cNvPr>
@@ -2566,7 +2566,7 @@
           <p:cNvPr id="2" name="Title 1">
             <a:extLst>
               <a:ext uri="{FF2B5EF4-FFF2-40B4-BE49-F238E27FC236}">
-                <a16:creationId xmlns="" xmlns:a16="http://schemas.microsoft.com/office/drawing/2014/main" id="{CA759C2A-444C-4E85-BF34-29BD3E3F6DFF}"/>
+                <a16:creationId xmlns:a16="http://schemas.microsoft.com/office/drawing/2014/main" id="{CA759C2A-444C-4E85-BF34-29BD3E3F6DFF}"/>
               </a:ext>
             </a:extLst>
           </p:cNvPr>
@@ -2604,7 +2604,7 @@
           <p:cNvPr id="3" name="Picture Placeholder 2">
             <a:extLst>
               <a:ext uri="{FF2B5EF4-FFF2-40B4-BE49-F238E27FC236}">
-                <a16:creationId xmlns="" xmlns:a16="http://schemas.microsoft.com/office/drawing/2014/main" id="{4B688350-F59A-41DF-B2EF-F9EEA2470087}"/>
+                <a16:creationId xmlns:a16="http://schemas.microsoft.com/office/drawing/2014/main" id="{4B688350-F59A-41DF-B2EF-F9EEA2470087}"/>
               </a:ext>
             </a:extLst>
           </p:cNvPr>
@@ -2671,7 +2671,7 @@
           <p:cNvPr id="4" name="Text Placeholder 3">
             <a:extLst>
               <a:ext uri="{FF2B5EF4-FFF2-40B4-BE49-F238E27FC236}">
-                <a16:creationId xmlns="" xmlns:a16="http://schemas.microsoft.com/office/drawing/2014/main" id="{AC5D8DC2-A933-46C8-BE16-322CE1A3EC74}"/>
+                <a16:creationId xmlns:a16="http://schemas.microsoft.com/office/drawing/2014/main" id="{AC5D8DC2-A933-46C8-BE16-322CE1A3EC74}"/>
               </a:ext>
             </a:extLst>
           </p:cNvPr>
@@ -2742,7 +2742,7 @@
           <p:cNvPr id="5" name="Date Placeholder 4">
             <a:extLst>
               <a:ext uri="{FF2B5EF4-FFF2-40B4-BE49-F238E27FC236}">
-                <a16:creationId xmlns="" xmlns:a16="http://schemas.microsoft.com/office/drawing/2014/main" id="{2D17E0BD-405F-407D-AAE8-84A2C67291BD}"/>
+                <a16:creationId xmlns:a16="http://schemas.microsoft.com/office/drawing/2014/main" id="{2D17E0BD-405F-407D-AAE8-84A2C67291BD}"/>
               </a:ext>
             </a:extLst>
           </p:cNvPr>
@@ -2761,7 +2761,7 @@
             <a:fld id="{C0697723-E498-4D64-BBB6-490ED1364AC9}" type="datetimeFigureOut">
               <a:rPr lang="en-IN" smtClean="0"/>
               <a:pPr/>
-              <a:t>23-01-2023</a:t>
+              <a:t>25-01-2025</a:t>
             </a:fld>
             <a:endParaRPr lang="en-IN"/>
           </a:p>
@@ -2772,7 +2772,7 @@
           <p:cNvPr id="6" name="Footer Placeholder 5">
             <a:extLst>
               <a:ext uri="{FF2B5EF4-FFF2-40B4-BE49-F238E27FC236}">
-                <a16:creationId xmlns="" xmlns:a16="http://schemas.microsoft.com/office/drawing/2014/main" id="{F5294B3E-2DAE-4C72-9B6F-EE43965DA9DB}"/>
+                <a16:creationId xmlns:a16="http://schemas.microsoft.com/office/drawing/2014/main" id="{F5294B3E-2DAE-4C72-9B6F-EE43965DA9DB}"/>
               </a:ext>
             </a:extLst>
           </p:cNvPr>
@@ -2797,7 +2797,7 @@
           <p:cNvPr id="7" name="Slide Number Placeholder 6">
             <a:extLst>
               <a:ext uri="{FF2B5EF4-FFF2-40B4-BE49-F238E27FC236}">
-                <a16:creationId xmlns="" xmlns:a16="http://schemas.microsoft.com/office/drawing/2014/main" id="{5474055D-9410-4E28-8C54-90B4F6E7DBFF}"/>
+                <a16:creationId xmlns:a16="http://schemas.microsoft.com/office/drawing/2014/main" id="{5474055D-9410-4E28-8C54-90B4F6E7DBFF}"/>
               </a:ext>
             </a:extLst>
           </p:cNvPr>
@@ -2862,7 +2862,7 @@
           <p:cNvPr id="2" name="Title Placeholder 1">
             <a:extLst>
               <a:ext uri="{FF2B5EF4-FFF2-40B4-BE49-F238E27FC236}">
-                <a16:creationId xmlns="" xmlns:a16="http://schemas.microsoft.com/office/drawing/2014/main" id="{9449A4AD-9C61-4A2F-99E0-675E3359267C}"/>
+                <a16:creationId xmlns:a16="http://schemas.microsoft.com/office/drawing/2014/main" id="{9449A4AD-9C61-4A2F-99E0-675E3359267C}"/>
               </a:ext>
             </a:extLst>
           </p:cNvPr>
@@ -2901,7 +2901,7 @@
           <p:cNvPr id="3" name="Text Placeholder 2">
             <a:extLst>
               <a:ext uri="{FF2B5EF4-FFF2-40B4-BE49-F238E27FC236}">
-                <a16:creationId xmlns="" xmlns:a16="http://schemas.microsoft.com/office/drawing/2014/main" id="{A10F732A-189B-4AC1-886A-23584A50B846}"/>
+                <a16:creationId xmlns:a16="http://schemas.microsoft.com/office/drawing/2014/main" id="{A10F732A-189B-4AC1-886A-23584A50B846}"/>
               </a:ext>
             </a:extLst>
           </p:cNvPr>
@@ -2969,7 +2969,7 @@
           <p:cNvPr id="4" name="Date Placeholder 3">
             <a:extLst>
               <a:ext uri="{FF2B5EF4-FFF2-40B4-BE49-F238E27FC236}">
-                <a16:creationId xmlns="" xmlns:a16="http://schemas.microsoft.com/office/drawing/2014/main" id="{D5F3EE23-AF03-4903-9219-60875A711FC4}"/>
+                <a16:creationId xmlns:a16="http://schemas.microsoft.com/office/drawing/2014/main" id="{D5F3EE23-AF03-4903-9219-60875A711FC4}"/>
               </a:ext>
             </a:extLst>
           </p:cNvPr>
@@ -3006,7 +3006,7 @@
             <a:fld id="{C0697723-E498-4D64-BBB6-490ED1364AC9}" type="datetimeFigureOut">
               <a:rPr lang="en-IN" smtClean="0"/>
               <a:pPr/>
-              <a:t>23-01-2023</a:t>
+              <a:t>25-01-2025</a:t>
             </a:fld>
             <a:endParaRPr lang="en-IN"/>
           </a:p>
@@ -3017,7 +3017,7 @@
           <p:cNvPr id="5" name="Footer Placeholder 4">
             <a:extLst>
               <a:ext uri="{FF2B5EF4-FFF2-40B4-BE49-F238E27FC236}">
-                <a16:creationId xmlns="" xmlns:a16="http://schemas.microsoft.com/office/drawing/2014/main" id="{957FC4B0-FF26-4AB9-BACD-041A24DCD298}"/>
+                <a16:creationId xmlns:a16="http://schemas.microsoft.com/office/drawing/2014/main" id="{957FC4B0-FF26-4AB9-BACD-041A24DCD298}"/>
               </a:ext>
             </a:extLst>
           </p:cNvPr>
@@ -3060,7 +3060,7 @@
           <p:cNvPr id="6" name="Slide Number Placeholder 5">
             <a:extLst>
               <a:ext uri="{FF2B5EF4-FFF2-40B4-BE49-F238E27FC236}">
-                <a16:creationId xmlns="" xmlns:a16="http://schemas.microsoft.com/office/drawing/2014/main" id="{F4C8E684-F46A-48CC-BAD8-663F8E1173CA}"/>
+                <a16:creationId xmlns:a16="http://schemas.microsoft.com/office/drawing/2014/main" id="{F4C8E684-F46A-48CC-BAD8-663F8E1173CA}"/>
               </a:ext>
             </a:extLst>
           </p:cNvPr>
@@ -3429,7 +3429,7 @@
           <p:cNvPr id="14" name="Straight Connector 13">
             <a:extLst>
               <a:ext uri="{FF2B5EF4-FFF2-40B4-BE49-F238E27FC236}">
-                <a16:creationId xmlns="" xmlns:a16="http://schemas.microsoft.com/office/drawing/2014/main" id="{44FD96A8-0571-4828-AA94-7DB93A4857C5}"/>
+                <a16:creationId xmlns:a16="http://schemas.microsoft.com/office/drawing/2014/main" id="{44FD96A8-0571-4828-AA94-7DB93A4857C5}"/>
               </a:ext>
             </a:extLst>
           </p:cNvPr>
@@ -3472,7 +3472,7 @@
           <p:cNvPr id="16" name="Rectangle 15">
             <a:extLst>
               <a:ext uri="{FF2B5EF4-FFF2-40B4-BE49-F238E27FC236}">
-                <a16:creationId xmlns="" xmlns:a16="http://schemas.microsoft.com/office/drawing/2014/main" id="{32465F97-45E8-4475-81F0-E171C116B224}"/>
+                <a16:creationId xmlns:a16="http://schemas.microsoft.com/office/drawing/2014/main" id="{32465F97-45E8-4475-81F0-E171C116B224}"/>
               </a:ext>
             </a:extLst>
           </p:cNvPr>
@@ -3495,14 +3495,13 @@
           <a:lstStyle/>
           <a:p>
             <a:r>
-              <a:rPr lang="en-IN" sz="2400" b="1" dirty="0" err="1" smtClean="0"/>
+              <a:rPr lang="en-IN" sz="2400" b="1" dirty="0" err="1"/>
               <a:t>Asha</a:t>
             </a:r>
             <a:r>
-              <a:rPr lang="en-IN" sz="2400" b="1" dirty="0" smtClean="0"/>
+              <a:rPr lang="en-IN" sz="2400" b="1" dirty="0"/>
               <a:t> A</a:t>
             </a:r>
-            <a:endParaRPr lang="en-IN" sz="2400" b="1" dirty="0"/>
           </a:p>
         </p:txBody>
       </p:sp>
@@ -3511,7 +3510,7 @@
           <p:cNvPr id="17" name="Rectangle 16">
             <a:extLst>
               <a:ext uri="{FF2B5EF4-FFF2-40B4-BE49-F238E27FC236}">
-                <a16:creationId xmlns="" xmlns:a16="http://schemas.microsoft.com/office/drawing/2014/main" id="{62AC1A6C-10C2-4695-9224-09DA1B0D5932}"/>
+                <a16:creationId xmlns:a16="http://schemas.microsoft.com/office/drawing/2014/main" id="{62AC1A6C-10C2-4695-9224-09DA1B0D5932}"/>
               </a:ext>
             </a:extLst>
           </p:cNvPr>
@@ -3546,7 +3545,7 @@
           <p:cNvPr id="23" name="Group 22">
             <a:extLst>
               <a:ext uri="{FF2B5EF4-FFF2-40B4-BE49-F238E27FC236}">
-                <a16:creationId xmlns="" xmlns:a16="http://schemas.microsoft.com/office/drawing/2014/main" id="{6DD8DCC0-549E-48DB-8CCA-E3FF8FBDEBF0}"/>
+                <a16:creationId xmlns:a16="http://schemas.microsoft.com/office/drawing/2014/main" id="{6DD8DCC0-549E-48DB-8CCA-E3FF8FBDEBF0}"/>
               </a:ext>
             </a:extLst>
           </p:cNvPr>
@@ -3572,7 +3571,7 @@
             <p:cNvPr id="24" name="Rectangle 23">
               <a:extLst>
                 <a:ext uri="{FF2B5EF4-FFF2-40B4-BE49-F238E27FC236}">
-                  <a16:creationId xmlns="" xmlns:a16="http://schemas.microsoft.com/office/drawing/2014/main" id="{B895392A-2454-40A6-9F7C-BC20D3A463EB}"/>
+                  <a16:creationId xmlns:a16="http://schemas.microsoft.com/office/drawing/2014/main" id="{B895392A-2454-40A6-9F7C-BC20D3A463EB}"/>
                 </a:ext>
               </a:extLst>
             </p:cNvPr>
@@ -3622,7 +3621,7 @@
             <p:cNvPr id="25" name="Rectangle 24">
               <a:extLst>
                 <a:ext uri="{FF2B5EF4-FFF2-40B4-BE49-F238E27FC236}">
-                  <a16:creationId xmlns="" xmlns:a16="http://schemas.microsoft.com/office/drawing/2014/main" id="{DC7604FF-DE88-44B6-A0D9-723028500B8B}"/>
+                  <a16:creationId xmlns:a16="http://schemas.microsoft.com/office/drawing/2014/main" id="{DC7604FF-DE88-44B6-A0D9-723028500B8B}"/>
                 </a:ext>
               </a:extLst>
             </p:cNvPr>
@@ -3672,7 +3671,7 @@
             <p:cNvPr id="26" name="Rectangle 25">
               <a:extLst>
                 <a:ext uri="{FF2B5EF4-FFF2-40B4-BE49-F238E27FC236}">
-                  <a16:creationId xmlns="" xmlns:a16="http://schemas.microsoft.com/office/drawing/2014/main" id="{35F4DC18-13F2-43D2-9B15-157998AF1875}"/>
+                  <a16:creationId xmlns:a16="http://schemas.microsoft.com/office/drawing/2014/main" id="{35F4DC18-13F2-43D2-9B15-157998AF1875}"/>
                 </a:ext>
               </a:extLst>
             </p:cNvPr>
@@ -3722,7 +3721,7 @@
             <p:cNvPr id="27" name="Rectangle 26">
               <a:extLst>
                 <a:ext uri="{FF2B5EF4-FFF2-40B4-BE49-F238E27FC236}">
-                  <a16:creationId xmlns="" xmlns:a16="http://schemas.microsoft.com/office/drawing/2014/main" id="{34375A76-1BF8-4628-B0FE-78E1BEB569B2}"/>
+                  <a16:creationId xmlns:a16="http://schemas.microsoft.com/office/drawing/2014/main" id="{34375A76-1BF8-4628-B0FE-78E1BEB569B2}"/>
                 </a:ext>
               </a:extLst>
             </p:cNvPr>
@@ -3773,7 +3772,7 @@
           <p:cNvPr id="13" name="Picture 12" descr="A close up of a logo&#10;&#10;Description automatically generated">
             <a:extLst>
               <a:ext uri="{FF2B5EF4-FFF2-40B4-BE49-F238E27FC236}">
-                <a16:creationId xmlns="" xmlns:a16="http://schemas.microsoft.com/office/drawing/2014/main" id="{DBF62E6F-20D6-4DF2-A881-ECD3EEB1A24C}"/>
+                <a16:creationId xmlns:a16="http://schemas.microsoft.com/office/drawing/2014/main" id="{DBF62E6F-20D6-4DF2-A881-ECD3EEB1A24C}"/>
               </a:ext>
             </a:extLst>
           </p:cNvPr>
@@ -3809,7 +3808,7 @@
           <p:cNvPr id="15" name="Rectangle 14">
             <a:extLst>
               <a:ext uri="{FF2B5EF4-FFF2-40B4-BE49-F238E27FC236}">
-                <a16:creationId xmlns="" xmlns:a16="http://schemas.microsoft.com/office/drawing/2014/main" id="{43211A6E-71CA-46AC-B929-E502AF599D76}"/>
+                <a16:creationId xmlns:a16="http://schemas.microsoft.com/office/drawing/2014/main" id="{43211A6E-71CA-46AC-B929-E502AF599D76}"/>
               </a:ext>
             </a:extLst>
           </p:cNvPr>
@@ -3857,13 +3856,6 @@
   <p:clrMapOvr>
     <a:masterClrMapping/>
   </p:clrMapOvr>
-  <p:timing>
-    <p:tnLst>
-      <p:par>
-        <p:cTn id="1" dur="indefinite" restart="never" nodeType="tmRoot"/>
-      </p:par>
-    </p:tnLst>
-  </p:timing>
 </p:sld>
 </file>
 
@@ -3889,7 +3881,7 @@
           <p:cNvPr id="8" name="Straight Connector 7">
             <a:extLst>
               <a:ext uri="{FF2B5EF4-FFF2-40B4-BE49-F238E27FC236}">
-                <a16:creationId xmlns="" xmlns:a16="http://schemas.microsoft.com/office/drawing/2014/main" id="{A4293697-6E2C-4331-B4E1-C58B355192F4}"/>
+                <a16:creationId xmlns:a16="http://schemas.microsoft.com/office/drawing/2014/main" id="{A4293697-6E2C-4331-B4E1-C58B355192F4}"/>
               </a:ext>
             </a:extLst>
           </p:cNvPr>
@@ -3932,7 +3924,7 @@
           <p:cNvPr id="6" name="Picture 5" descr="A close up of a logo&#10;&#10;Description automatically generated">
             <a:extLst>
               <a:ext uri="{FF2B5EF4-FFF2-40B4-BE49-F238E27FC236}">
-                <a16:creationId xmlns="" xmlns:a16="http://schemas.microsoft.com/office/drawing/2014/main" id="{08D8E659-ABBD-4E58-8353-D33866EBB3E6}"/>
+                <a16:creationId xmlns:a16="http://schemas.microsoft.com/office/drawing/2014/main" id="{08D8E659-ABBD-4E58-8353-D33866EBB3E6}"/>
               </a:ext>
             </a:extLst>
           </p:cNvPr>
@@ -3968,7 +3960,7 @@
           <p:cNvPr id="7" name="Rectangle 6">
             <a:extLst>
               <a:ext uri="{FF2B5EF4-FFF2-40B4-BE49-F238E27FC236}">
-                <a16:creationId xmlns="" xmlns:a16="http://schemas.microsoft.com/office/drawing/2014/main" id="{D14CB69A-0424-4C01-A311-B65E140C5B4A}"/>
+                <a16:creationId xmlns:a16="http://schemas.microsoft.com/office/drawing/2014/main" id="{D14CB69A-0424-4C01-A311-B65E140C5B4A}"/>
               </a:ext>
             </a:extLst>
           </p:cNvPr>
@@ -5205,13 +5197,6 @@
   <p:clrMapOvr>
     <a:masterClrMapping/>
   </p:clrMapOvr>
-  <p:timing>
-    <p:tnLst>
-      <p:par>
-        <p:cTn id="1" dur="indefinite" restart="never" nodeType="tmRoot"/>
-      </p:par>
-    </p:tnLst>
-  </p:timing>
 </p:sld>
 </file>
 
@@ -5237,7 +5222,7 @@
           <p:cNvPr id="8" name="Straight Connector 7">
             <a:extLst>
               <a:ext uri="{FF2B5EF4-FFF2-40B4-BE49-F238E27FC236}">
-                <a16:creationId xmlns="" xmlns:a16="http://schemas.microsoft.com/office/drawing/2014/main" id="{A4293697-6E2C-4331-B4E1-C58B355192F4}"/>
+                <a16:creationId xmlns:a16="http://schemas.microsoft.com/office/drawing/2014/main" id="{A4293697-6E2C-4331-B4E1-C58B355192F4}"/>
               </a:ext>
             </a:extLst>
           </p:cNvPr>
@@ -5280,7 +5265,7 @@
           <p:cNvPr id="6" name="Picture 5" descr="A close up of a logo&#10;&#10;Description automatically generated">
             <a:extLst>
               <a:ext uri="{FF2B5EF4-FFF2-40B4-BE49-F238E27FC236}">
-                <a16:creationId xmlns="" xmlns:a16="http://schemas.microsoft.com/office/drawing/2014/main" id="{08D8E659-ABBD-4E58-8353-D33866EBB3E6}"/>
+                <a16:creationId xmlns:a16="http://schemas.microsoft.com/office/drawing/2014/main" id="{08D8E659-ABBD-4E58-8353-D33866EBB3E6}"/>
               </a:ext>
             </a:extLst>
           </p:cNvPr>
@@ -5316,7 +5301,7 @@
           <p:cNvPr id="7" name="Rectangle 6">
             <a:extLst>
               <a:ext uri="{FF2B5EF4-FFF2-40B4-BE49-F238E27FC236}">
-                <a16:creationId xmlns="" xmlns:a16="http://schemas.microsoft.com/office/drawing/2014/main" id="{D14CB69A-0424-4C01-A311-B65E140C5B4A}"/>
+                <a16:creationId xmlns:a16="http://schemas.microsoft.com/office/drawing/2014/main" id="{D14CB69A-0424-4C01-A311-B65E140C5B4A}"/>
               </a:ext>
             </a:extLst>
           </p:cNvPr>
@@ -6508,13 +6493,6 @@
   <p:clrMapOvr>
     <a:masterClrMapping/>
   </p:clrMapOvr>
-  <p:timing>
-    <p:tnLst>
-      <p:par>
-        <p:cTn id="1" dur="indefinite" restart="never" nodeType="tmRoot"/>
-      </p:par>
-    </p:tnLst>
-  </p:timing>
 </p:sld>
 </file>
 
@@ -6540,7 +6518,7 @@
           <p:cNvPr id="8" name="Straight Connector 7">
             <a:extLst>
               <a:ext uri="{FF2B5EF4-FFF2-40B4-BE49-F238E27FC236}">
-                <a16:creationId xmlns="" xmlns:a16="http://schemas.microsoft.com/office/drawing/2014/main" id="{A4293697-6E2C-4331-B4E1-C58B355192F4}"/>
+                <a16:creationId xmlns:a16="http://schemas.microsoft.com/office/drawing/2014/main" id="{A4293697-6E2C-4331-B4E1-C58B355192F4}"/>
               </a:ext>
             </a:extLst>
           </p:cNvPr>
@@ -6583,7 +6561,7 @@
           <p:cNvPr id="6" name="Picture 5" descr="A close up of a logo&#10;&#10;Description automatically generated">
             <a:extLst>
               <a:ext uri="{FF2B5EF4-FFF2-40B4-BE49-F238E27FC236}">
-                <a16:creationId xmlns="" xmlns:a16="http://schemas.microsoft.com/office/drawing/2014/main" id="{08D8E659-ABBD-4E58-8353-D33866EBB3E6}"/>
+                <a16:creationId xmlns:a16="http://schemas.microsoft.com/office/drawing/2014/main" id="{08D8E659-ABBD-4E58-8353-D33866EBB3E6}"/>
               </a:ext>
             </a:extLst>
           </p:cNvPr>
@@ -6619,7 +6597,7 @@
           <p:cNvPr id="7" name="Rectangle 6">
             <a:extLst>
               <a:ext uri="{FF2B5EF4-FFF2-40B4-BE49-F238E27FC236}">
-                <a16:creationId xmlns="" xmlns:a16="http://schemas.microsoft.com/office/drawing/2014/main" id="{D14CB69A-0424-4C01-A311-B65E140C5B4A}"/>
+                <a16:creationId xmlns:a16="http://schemas.microsoft.com/office/drawing/2014/main" id="{D14CB69A-0424-4C01-A311-B65E140C5B4A}"/>
               </a:ext>
             </a:extLst>
           </p:cNvPr>
@@ -7278,13 +7256,6 @@
   <p:clrMapOvr>
     <a:masterClrMapping/>
   </p:clrMapOvr>
-  <p:timing>
-    <p:tnLst>
-      <p:par>
-        <p:cTn id="1" dur="indefinite" restart="never" nodeType="tmRoot"/>
-      </p:par>
-    </p:tnLst>
-  </p:timing>
 </p:sld>
 </file>
 
@@ -7310,7 +7281,7 @@
           <p:cNvPr id="8" name="Straight Connector 7">
             <a:extLst>
               <a:ext uri="{FF2B5EF4-FFF2-40B4-BE49-F238E27FC236}">
-                <a16:creationId xmlns="" xmlns:a16="http://schemas.microsoft.com/office/drawing/2014/main" id="{A4293697-6E2C-4331-B4E1-C58B355192F4}"/>
+                <a16:creationId xmlns:a16="http://schemas.microsoft.com/office/drawing/2014/main" id="{A4293697-6E2C-4331-B4E1-C58B355192F4}"/>
               </a:ext>
             </a:extLst>
           </p:cNvPr>
@@ -7353,7 +7324,7 @@
           <p:cNvPr id="6" name="Picture 5" descr="A close up of a logo&#10;&#10;Description automatically generated">
             <a:extLst>
               <a:ext uri="{FF2B5EF4-FFF2-40B4-BE49-F238E27FC236}">
-                <a16:creationId xmlns="" xmlns:a16="http://schemas.microsoft.com/office/drawing/2014/main" id="{08D8E659-ABBD-4E58-8353-D33866EBB3E6}"/>
+                <a16:creationId xmlns:a16="http://schemas.microsoft.com/office/drawing/2014/main" id="{08D8E659-ABBD-4E58-8353-D33866EBB3E6}"/>
               </a:ext>
             </a:extLst>
           </p:cNvPr>
@@ -7389,7 +7360,7 @@
           <p:cNvPr id="7" name="Rectangle 6">
             <a:extLst>
               <a:ext uri="{FF2B5EF4-FFF2-40B4-BE49-F238E27FC236}">
-                <a16:creationId xmlns="" xmlns:a16="http://schemas.microsoft.com/office/drawing/2014/main" id="{D14CB69A-0424-4C01-A311-B65E140C5B4A}"/>
+                <a16:creationId xmlns:a16="http://schemas.microsoft.com/office/drawing/2014/main" id="{D14CB69A-0424-4C01-A311-B65E140C5B4A}"/>
               </a:ext>
             </a:extLst>
           </p:cNvPr>
@@ -7959,20 +7930,10 @@
                   </a:schemeClr>
                 </a:solidFill>
               </a:rPr>
-              <a:t>            Nylon 66                                                               </a:t>
-            </a:r>
-            <a:r>
-              <a:rPr lang="en-GB" b="1" dirty="0" smtClean="0">
-                <a:solidFill>
-                  <a:schemeClr val="accent1">
-                    <a:lumMod val="50000"/>
-                  </a:schemeClr>
-                </a:solidFill>
-              </a:rPr>
-              <a:t>                 </a:t>
-            </a:r>
-            <a:r>
-              <a:rPr lang="en-GB" b="1" dirty="0" err="1" smtClean="0">
+              <a:t>            Nylon 66                                                                                </a:t>
+            </a:r>
+            <a:r>
+              <a:rPr lang="en-GB" b="1" dirty="0" err="1">
                 <a:solidFill>
                   <a:schemeClr val="accent1">
                     <a:lumMod val="50000"/>
@@ -8065,13 +8026,6 @@
   <p:clrMapOvr>
     <a:masterClrMapping/>
   </p:clrMapOvr>
-  <p:timing>
-    <p:tnLst>
-      <p:par>
-        <p:cTn id="1" dur="indefinite" restart="never" nodeType="tmRoot"/>
-      </p:par>
-    </p:tnLst>
-  </p:timing>
 </p:sld>
 </file>
 
@@ -8097,7 +8051,7 @@
           <p:cNvPr id="8" name="Straight Connector 7">
             <a:extLst>
               <a:ext uri="{FF2B5EF4-FFF2-40B4-BE49-F238E27FC236}">
-                <a16:creationId xmlns="" xmlns:a16="http://schemas.microsoft.com/office/drawing/2014/main" id="{A4293697-6E2C-4331-B4E1-C58B355192F4}"/>
+                <a16:creationId xmlns:a16="http://schemas.microsoft.com/office/drawing/2014/main" id="{A4293697-6E2C-4331-B4E1-C58B355192F4}"/>
               </a:ext>
             </a:extLst>
           </p:cNvPr>
@@ -8140,7 +8094,7 @@
           <p:cNvPr id="6" name="Picture 5" descr="A close up of a logo&#10;&#10;Description automatically generated">
             <a:extLst>
               <a:ext uri="{FF2B5EF4-FFF2-40B4-BE49-F238E27FC236}">
-                <a16:creationId xmlns="" xmlns:a16="http://schemas.microsoft.com/office/drawing/2014/main" id="{08D8E659-ABBD-4E58-8353-D33866EBB3E6}"/>
+                <a16:creationId xmlns:a16="http://schemas.microsoft.com/office/drawing/2014/main" id="{08D8E659-ABBD-4E58-8353-D33866EBB3E6}"/>
               </a:ext>
             </a:extLst>
           </p:cNvPr>
@@ -8176,7 +8130,7 @@
           <p:cNvPr id="7" name="Rectangle 6">
             <a:extLst>
               <a:ext uri="{FF2B5EF4-FFF2-40B4-BE49-F238E27FC236}">
-                <a16:creationId xmlns="" xmlns:a16="http://schemas.microsoft.com/office/drawing/2014/main" id="{D14CB69A-0424-4C01-A311-B65E140C5B4A}"/>
+                <a16:creationId xmlns:a16="http://schemas.microsoft.com/office/drawing/2014/main" id="{D14CB69A-0424-4C01-A311-B65E140C5B4A}"/>
               </a:ext>
             </a:extLst>
           </p:cNvPr>
@@ -8758,13 +8712,6 @@
   <p:clrMapOvr>
     <a:masterClrMapping/>
   </p:clrMapOvr>
-  <p:timing>
-    <p:tnLst>
-      <p:par>
-        <p:cTn id="1" dur="indefinite" restart="never" nodeType="tmRoot"/>
-      </p:par>
-    </p:tnLst>
-  </p:timing>
 </p:sld>
 </file>
 
@@ -8790,7 +8737,7 @@
           <p:cNvPr id="8" name="Straight Connector 7">
             <a:extLst>
               <a:ext uri="{FF2B5EF4-FFF2-40B4-BE49-F238E27FC236}">
-                <a16:creationId xmlns="" xmlns:a16="http://schemas.microsoft.com/office/drawing/2014/main" id="{A4293697-6E2C-4331-B4E1-C58B355192F4}"/>
+                <a16:creationId xmlns:a16="http://schemas.microsoft.com/office/drawing/2014/main" id="{A4293697-6E2C-4331-B4E1-C58B355192F4}"/>
               </a:ext>
             </a:extLst>
           </p:cNvPr>
@@ -8833,7 +8780,7 @@
           <p:cNvPr id="6" name="Picture 5" descr="A close up of a logo&#10;&#10;Description automatically generated">
             <a:extLst>
               <a:ext uri="{FF2B5EF4-FFF2-40B4-BE49-F238E27FC236}">
-                <a16:creationId xmlns="" xmlns:a16="http://schemas.microsoft.com/office/drawing/2014/main" id="{08D8E659-ABBD-4E58-8353-D33866EBB3E6}"/>
+                <a16:creationId xmlns:a16="http://schemas.microsoft.com/office/drawing/2014/main" id="{08D8E659-ABBD-4E58-8353-D33866EBB3E6}"/>
               </a:ext>
             </a:extLst>
           </p:cNvPr>
@@ -8869,7 +8816,7 @@
           <p:cNvPr id="7" name="Rectangle 6">
             <a:extLst>
               <a:ext uri="{FF2B5EF4-FFF2-40B4-BE49-F238E27FC236}">
-                <a16:creationId xmlns="" xmlns:a16="http://schemas.microsoft.com/office/drawing/2014/main" id="{D14CB69A-0424-4C01-A311-B65E140C5B4A}"/>
+                <a16:creationId xmlns:a16="http://schemas.microsoft.com/office/drawing/2014/main" id="{D14CB69A-0424-4C01-A311-B65E140C5B4A}"/>
               </a:ext>
             </a:extLst>
           </p:cNvPr>
@@ -9282,14 +9229,14 @@
                 <a:gridCol w="3755738">
                   <a:extLst>
                     <a:ext uri="{9D8B030D-6E8A-4147-A177-3AD203B41FA5}">
-                      <a16:colId xmlns="" xmlns:a16="http://schemas.microsoft.com/office/drawing/2014/main" val="20000"/>
+                      <a16:colId xmlns:a16="http://schemas.microsoft.com/office/drawing/2014/main" val="20000"/>
                     </a:ext>
                   </a:extLst>
                 </a:gridCol>
                 <a:gridCol w="4104776">
                   <a:extLst>
                     <a:ext uri="{9D8B030D-6E8A-4147-A177-3AD203B41FA5}">
-                      <a16:colId xmlns="" xmlns:a16="http://schemas.microsoft.com/office/drawing/2014/main" val="20001"/>
+                      <a16:colId xmlns:a16="http://schemas.microsoft.com/office/drawing/2014/main" val="20001"/>
                     </a:ext>
                   </a:extLst>
                 </a:gridCol>
@@ -9325,7 +9272,7 @@
                 </a:tc>
                 <a:extLst>
                   <a:ext uri="{0D108BD9-81ED-4DB2-BD59-A6C34878D82A}">
-                    <a16:rowId xmlns="" xmlns:a16="http://schemas.microsoft.com/office/drawing/2014/main" val="10000"/>
+                    <a16:rowId xmlns:a16="http://schemas.microsoft.com/office/drawing/2014/main" val="10000"/>
                   </a:ext>
                 </a:extLst>
               </a:tr>
@@ -9376,7 +9323,7 @@
                 </a:tc>
                 <a:extLst>
                   <a:ext uri="{0D108BD9-81ED-4DB2-BD59-A6C34878D82A}">
-                    <a16:rowId xmlns="" xmlns:a16="http://schemas.microsoft.com/office/drawing/2014/main" val="10001"/>
+                    <a16:rowId xmlns:a16="http://schemas.microsoft.com/office/drawing/2014/main" val="10001"/>
                   </a:ext>
                 </a:extLst>
               </a:tr>
@@ -9415,7 +9362,7 @@
                 </a:tc>
                 <a:extLst>
                   <a:ext uri="{0D108BD9-81ED-4DB2-BD59-A6C34878D82A}">
-                    <a16:rowId xmlns="" xmlns:a16="http://schemas.microsoft.com/office/drawing/2014/main" val="10002"/>
+                    <a16:rowId xmlns:a16="http://schemas.microsoft.com/office/drawing/2014/main" val="10002"/>
                   </a:ext>
                 </a:extLst>
               </a:tr>
@@ -9454,7 +9401,7 @@
                 </a:tc>
                 <a:extLst>
                   <a:ext uri="{0D108BD9-81ED-4DB2-BD59-A6C34878D82A}">
-                    <a16:rowId xmlns="" xmlns:a16="http://schemas.microsoft.com/office/drawing/2014/main" val="10003"/>
+                    <a16:rowId xmlns:a16="http://schemas.microsoft.com/office/drawing/2014/main" val="10003"/>
                   </a:ext>
                 </a:extLst>
               </a:tr>
@@ -9489,7 +9436,7 @@
                 </a:tc>
                 <a:extLst>
                   <a:ext uri="{0D108BD9-81ED-4DB2-BD59-A6C34878D82A}">
-                    <a16:rowId xmlns="" xmlns:a16="http://schemas.microsoft.com/office/drawing/2014/main" val="10004"/>
+                    <a16:rowId xmlns:a16="http://schemas.microsoft.com/office/drawing/2014/main" val="10004"/>
                   </a:ext>
                 </a:extLst>
               </a:tr>
@@ -9524,7 +9471,7 @@
                 </a:tc>
                 <a:extLst>
                   <a:ext uri="{0D108BD9-81ED-4DB2-BD59-A6C34878D82A}">
-                    <a16:rowId xmlns="" xmlns:a16="http://schemas.microsoft.com/office/drawing/2014/main" val="10005"/>
+                    <a16:rowId xmlns:a16="http://schemas.microsoft.com/office/drawing/2014/main" val="10005"/>
                   </a:ext>
                 </a:extLst>
               </a:tr>
@@ -9542,13 +9489,6 @@
   <p:clrMapOvr>
     <a:masterClrMapping/>
   </p:clrMapOvr>
-  <p:timing>
-    <p:tnLst>
-      <p:par>
-        <p:cTn id="1" dur="indefinite" restart="never" nodeType="tmRoot"/>
-      </p:par>
-    </p:tnLst>
-  </p:timing>
 </p:sld>
 </file>
 
@@ -9574,7 +9514,7 @@
           <p:cNvPr id="8" name="Straight Connector 7">
             <a:extLst>
               <a:ext uri="{FF2B5EF4-FFF2-40B4-BE49-F238E27FC236}">
-                <a16:creationId xmlns="" xmlns:a16="http://schemas.microsoft.com/office/drawing/2014/main" id="{A4293697-6E2C-4331-B4E1-C58B355192F4}"/>
+                <a16:creationId xmlns:a16="http://schemas.microsoft.com/office/drawing/2014/main" id="{A4293697-6E2C-4331-B4E1-C58B355192F4}"/>
               </a:ext>
             </a:extLst>
           </p:cNvPr>
@@ -9617,7 +9557,7 @@
           <p:cNvPr id="6" name="Picture 5" descr="A close up of a logo&#10;&#10;Description automatically generated">
             <a:extLst>
               <a:ext uri="{FF2B5EF4-FFF2-40B4-BE49-F238E27FC236}">
-                <a16:creationId xmlns="" xmlns:a16="http://schemas.microsoft.com/office/drawing/2014/main" id="{08D8E659-ABBD-4E58-8353-D33866EBB3E6}"/>
+                <a16:creationId xmlns:a16="http://schemas.microsoft.com/office/drawing/2014/main" id="{08D8E659-ABBD-4E58-8353-D33866EBB3E6}"/>
               </a:ext>
             </a:extLst>
           </p:cNvPr>
@@ -9653,7 +9593,7 @@
           <p:cNvPr id="7" name="Rectangle 6">
             <a:extLst>
               <a:ext uri="{FF2B5EF4-FFF2-40B4-BE49-F238E27FC236}">
-                <a16:creationId xmlns="" xmlns:a16="http://schemas.microsoft.com/office/drawing/2014/main" id="{D14CB69A-0424-4C01-A311-B65E140C5B4A}"/>
+                <a16:creationId xmlns:a16="http://schemas.microsoft.com/office/drawing/2014/main" id="{D14CB69A-0424-4C01-A311-B65E140C5B4A}"/>
               </a:ext>
             </a:extLst>
           </p:cNvPr>
@@ -10266,13 +10206,6 @@
   <p:clrMapOvr>
     <a:masterClrMapping/>
   </p:clrMapOvr>
-  <p:timing>
-    <p:tnLst>
-      <p:par>
-        <p:cTn id="1" dur="indefinite" restart="never" nodeType="tmRoot"/>
-      </p:par>
-    </p:tnLst>
-  </p:timing>
 </p:sld>
 </file>
 
@@ -10298,7 +10231,7 @@
           <p:cNvPr id="8" name="Straight Connector 7">
             <a:extLst>
               <a:ext uri="{FF2B5EF4-FFF2-40B4-BE49-F238E27FC236}">
-                <a16:creationId xmlns="" xmlns:a16="http://schemas.microsoft.com/office/drawing/2014/main" id="{A4293697-6E2C-4331-B4E1-C58B355192F4}"/>
+                <a16:creationId xmlns:a16="http://schemas.microsoft.com/office/drawing/2014/main" id="{A4293697-6E2C-4331-B4E1-C58B355192F4}"/>
               </a:ext>
             </a:extLst>
           </p:cNvPr>
@@ -10341,7 +10274,7 @@
           <p:cNvPr id="6" name="Picture 5" descr="A close up of a logo&#10;&#10;Description automatically generated">
             <a:extLst>
               <a:ext uri="{FF2B5EF4-FFF2-40B4-BE49-F238E27FC236}">
-                <a16:creationId xmlns="" xmlns:a16="http://schemas.microsoft.com/office/drawing/2014/main" id="{08D8E659-ABBD-4E58-8353-D33866EBB3E6}"/>
+                <a16:creationId xmlns:a16="http://schemas.microsoft.com/office/drawing/2014/main" id="{08D8E659-ABBD-4E58-8353-D33866EBB3E6}"/>
               </a:ext>
             </a:extLst>
           </p:cNvPr>
@@ -10377,7 +10310,7 @@
           <p:cNvPr id="7" name="Rectangle 6">
             <a:extLst>
               <a:ext uri="{FF2B5EF4-FFF2-40B4-BE49-F238E27FC236}">
-                <a16:creationId xmlns="" xmlns:a16="http://schemas.microsoft.com/office/drawing/2014/main" id="{D14CB69A-0424-4C01-A311-B65E140C5B4A}"/>
+                <a16:creationId xmlns:a16="http://schemas.microsoft.com/office/drawing/2014/main" id="{D14CB69A-0424-4C01-A311-B65E140C5B4A}"/>
               </a:ext>
             </a:extLst>
           </p:cNvPr>
@@ -11361,7 +11294,7 @@
           <p:cNvPr id="8" name="Straight Connector 7">
             <a:extLst>
               <a:ext uri="{FF2B5EF4-FFF2-40B4-BE49-F238E27FC236}">
-                <a16:creationId xmlns:a16="http://schemas.microsoft.com/office/drawing/2014/main" xmlns="" id="{A4293697-6E2C-4331-B4E1-C58B355192F4}"/>
+                <a16:creationId xmlns:a16="http://schemas.microsoft.com/office/drawing/2014/main" id="{A4293697-6E2C-4331-B4E1-C58B355192F4}"/>
               </a:ext>
             </a:extLst>
           </p:cNvPr>
@@ -11404,7 +11337,7 @@
           <p:cNvPr id="6" name="Picture 5" descr="A close up of a logo&#10;&#10;Description automatically generated">
             <a:extLst>
               <a:ext uri="{FF2B5EF4-FFF2-40B4-BE49-F238E27FC236}">
-                <a16:creationId xmlns:a16="http://schemas.microsoft.com/office/drawing/2014/main" xmlns="" id="{08D8E659-ABBD-4E58-8353-D33866EBB3E6}"/>
+                <a16:creationId xmlns:a16="http://schemas.microsoft.com/office/drawing/2014/main" id="{08D8E659-ABBD-4E58-8353-D33866EBB3E6}"/>
               </a:ext>
             </a:extLst>
           </p:cNvPr>
@@ -11440,7 +11373,7 @@
           <p:cNvPr id="7" name="Rectangle 6">
             <a:extLst>
               <a:ext uri="{FF2B5EF4-FFF2-40B4-BE49-F238E27FC236}">
-                <a16:creationId xmlns:a16="http://schemas.microsoft.com/office/drawing/2014/main" xmlns="" id="{D14CB69A-0424-4C01-A311-B65E140C5B4A}"/>
+                <a16:creationId xmlns:a16="http://schemas.microsoft.com/office/drawing/2014/main" id="{D14CB69A-0424-4C01-A311-B65E140C5B4A}"/>
               </a:ext>
             </a:extLst>
           </p:cNvPr>
@@ -11830,7 +11763,7 @@
           <p:cNvPr id="14" name="Straight Connector 13">
             <a:extLst>
               <a:ext uri="{FF2B5EF4-FFF2-40B4-BE49-F238E27FC236}">
-                <a16:creationId xmlns:a16="http://schemas.microsoft.com/office/drawing/2014/main" xmlns="" id="{A4293697-6E2C-4331-B4E1-C58B355192F4}"/>
+                <a16:creationId xmlns:a16="http://schemas.microsoft.com/office/drawing/2014/main" id="{A4293697-6E2C-4331-B4E1-C58B355192F4}"/>
               </a:ext>
             </a:extLst>
           </p:cNvPr>
@@ -12064,7 +11997,7 @@
           <p:cNvPr id="8" name="Straight Connector 7">
             <a:extLst>
               <a:ext uri="{FF2B5EF4-FFF2-40B4-BE49-F238E27FC236}">
-                <a16:creationId xmlns:a16="http://schemas.microsoft.com/office/drawing/2014/main" xmlns="" id="{A4293697-6E2C-4331-B4E1-C58B355192F4}"/>
+                <a16:creationId xmlns:a16="http://schemas.microsoft.com/office/drawing/2014/main" id="{A4293697-6E2C-4331-B4E1-C58B355192F4}"/>
               </a:ext>
             </a:extLst>
           </p:cNvPr>
@@ -12107,7 +12040,7 @@
           <p:cNvPr id="6" name="Picture 5" descr="A close up of a logo&#10;&#10;Description automatically generated">
             <a:extLst>
               <a:ext uri="{FF2B5EF4-FFF2-40B4-BE49-F238E27FC236}">
-                <a16:creationId xmlns:a16="http://schemas.microsoft.com/office/drawing/2014/main" xmlns="" id="{08D8E659-ABBD-4E58-8353-D33866EBB3E6}"/>
+                <a16:creationId xmlns:a16="http://schemas.microsoft.com/office/drawing/2014/main" id="{08D8E659-ABBD-4E58-8353-D33866EBB3E6}"/>
               </a:ext>
             </a:extLst>
           </p:cNvPr>
@@ -12143,7 +12076,7 @@
           <p:cNvPr id="7" name="Rectangle 6">
             <a:extLst>
               <a:ext uri="{FF2B5EF4-FFF2-40B4-BE49-F238E27FC236}">
-                <a16:creationId xmlns:a16="http://schemas.microsoft.com/office/drawing/2014/main" xmlns="" id="{D14CB69A-0424-4C01-A311-B65E140C5B4A}"/>
+                <a16:creationId xmlns:a16="http://schemas.microsoft.com/office/drawing/2014/main" id="{D14CB69A-0424-4C01-A311-B65E140C5B4A}"/>
               </a:ext>
             </a:extLst>
           </p:cNvPr>
@@ -12533,7 +12466,7 @@
           <p:cNvPr id="14" name="Straight Connector 13">
             <a:extLst>
               <a:ext uri="{FF2B5EF4-FFF2-40B4-BE49-F238E27FC236}">
-                <a16:creationId xmlns:a16="http://schemas.microsoft.com/office/drawing/2014/main" xmlns="" id="{A4293697-6E2C-4331-B4E1-C58B355192F4}"/>
+                <a16:creationId xmlns:a16="http://schemas.microsoft.com/office/drawing/2014/main" id="{A4293697-6E2C-4331-B4E1-C58B355192F4}"/>
               </a:ext>
             </a:extLst>
           </p:cNvPr>
@@ -12681,9 +12614,18 @@
             </a:pPr>
             <a:r>
               <a:rPr lang="en-US" sz="2400" dirty="0">
+                <a:highlight>
+                  <a:srgbClr val="FFFF00"/>
+                </a:highlight>
                 <a:latin typeface="+mn-lt"/>
               </a:rPr>
-              <a:t> Crystalline regions occur when polymer chains are arranged in an orderly fashion parallel and close to each other</a:t>
+              <a:t> Crystalline regions occur when polymer chains are arranged in an orderly fashion </a:t>
+            </a:r>
+            <a:r>
+              <a:rPr lang="en-US" sz="2400" dirty="0">
+                <a:latin typeface="+mn-lt"/>
+              </a:rPr>
+              <a:t>parallel and close to each other</a:t>
             </a:r>
           </a:p>
           <a:p>
@@ -12711,7 +12653,7 @@
           <p:cNvPr id="2" name="Picture 2" descr="Types of Polymer Matrix – Coventive Composites">
             <a:extLst>
               <a:ext uri="{FF2B5EF4-FFF2-40B4-BE49-F238E27FC236}">
-                <a16:creationId xmlns:a16="http://schemas.microsoft.com/office/drawing/2014/main" xmlns="" id="{BAF910E1-1486-4BEB-A979-707F6F2BC254}"/>
+                <a16:creationId xmlns:a16="http://schemas.microsoft.com/office/drawing/2014/main" id="{BAF910E1-1486-4BEB-A979-707F6F2BC254}"/>
               </a:ext>
             </a:extLst>
           </p:cNvPr>
@@ -12743,7 +12685,7 @@
           <p:cNvPr id="3" name="Rectangle 2">
             <a:extLst>
               <a:ext uri="{FF2B5EF4-FFF2-40B4-BE49-F238E27FC236}">
-                <a16:creationId xmlns:a16="http://schemas.microsoft.com/office/drawing/2014/main" xmlns="" id="{971BE8ED-5AFC-4A95-866B-AFD31789EC6C}"/>
+                <a16:creationId xmlns:a16="http://schemas.microsoft.com/office/drawing/2014/main" id="{971BE8ED-5AFC-4A95-866B-AFD31789EC6C}"/>
               </a:ext>
             </a:extLst>
           </p:cNvPr>
@@ -12807,7 +12749,7 @@
           <p:cNvPr id="22" name="Rectangle 21">
             <a:extLst>
               <a:ext uri="{FF2B5EF4-FFF2-40B4-BE49-F238E27FC236}">
-                <a16:creationId xmlns="" xmlns:a16="http://schemas.microsoft.com/office/drawing/2014/main" id="{620A7DEA-950C-4954-B3B7-2672370FABF4}"/>
+                <a16:creationId xmlns:a16="http://schemas.microsoft.com/office/drawing/2014/main" id="{620A7DEA-950C-4954-B3B7-2672370FABF4}"/>
               </a:ext>
             </a:extLst>
           </p:cNvPr>
@@ -12853,7 +12795,7 @@
           <p:cNvPr id="8" name="Straight Connector 7">
             <a:extLst>
               <a:ext uri="{FF2B5EF4-FFF2-40B4-BE49-F238E27FC236}">
-                <a16:creationId xmlns="" xmlns:a16="http://schemas.microsoft.com/office/drawing/2014/main" id="{A4293697-6E2C-4331-B4E1-C58B355192F4}"/>
+                <a16:creationId xmlns:a16="http://schemas.microsoft.com/office/drawing/2014/main" id="{A4293697-6E2C-4331-B4E1-C58B355192F4}"/>
               </a:ext>
             </a:extLst>
           </p:cNvPr>
@@ -12896,7 +12838,7 @@
           <p:cNvPr id="6" name="Picture 5" descr="A close up of a logo&#10;&#10;Description automatically generated">
             <a:extLst>
               <a:ext uri="{FF2B5EF4-FFF2-40B4-BE49-F238E27FC236}">
-                <a16:creationId xmlns="" xmlns:a16="http://schemas.microsoft.com/office/drawing/2014/main" id="{08D8E659-ABBD-4E58-8353-D33866EBB3E6}"/>
+                <a16:creationId xmlns:a16="http://schemas.microsoft.com/office/drawing/2014/main" id="{08D8E659-ABBD-4E58-8353-D33866EBB3E6}"/>
               </a:ext>
             </a:extLst>
           </p:cNvPr>
@@ -12932,7 +12874,7 @@
           <p:cNvPr id="9" name="Content Placeholder 2">
             <a:extLst>
               <a:ext uri="{FF2B5EF4-FFF2-40B4-BE49-F238E27FC236}">
-                <a16:creationId xmlns="" xmlns:a16="http://schemas.microsoft.com/office/drawing/2014/main" id="{B1AEBD28-7BCD-4BFF-8D86-9C5F49398112}"/>
+                <a16:creationId xmlns:a16="http://schemas.microsoft.com/office/drawing/2014/main" id="{B1AEBD28-7BCD-4BFF-8D86-9C5F49398112}"/>
               </a:ext>
             </a:extLst>
           </p:cNvPr>
@@ -13125,13 +13067,6 @@
   <p:clrMapOvr>
     <a:masterClrMapping/>
   </p:clrMapOvr>
-  <p:timing>
-    <p:tnLst>
-      <p:par>
-        <p:cTn id="1" dur="indefinite" restart="never" nodeType="tmRoot"/>
-      </p:par>
-    </p:tnLst>
-  </p:timing>
 </p:sld>
 </file>
 
@@ -13157,7 +13092,7 @@
           <p:cNvPr id="8" name="Straight Connector 7">
             <a:extLst>
               <a:ext uri="{FF2B5EF4-FFF2-40B4-BE49-F238E27FC236}">
-                <a16:creationId xmlns:a16="http://schemas.microsoft.com/office/drawing/2014/main" xmlns="" id="{A4293697-6E2C-4331-B4E1-C58B355192F4}"/>
+                <a16:creationId xmlns:a16="http://schemas.microsoft.com/office/drawing/2014/main" id="{A4293697-6E2C-4331-B4E1-C58B355192F4}"/>
               </a:ext>
             </a:extLst>
           </p:cNvPr>
@@ -13200,7 +13135,7 @@
           <p:cNvPr id="6" name="Picture 5" descr="A close up of a logo&#10;&#10;Description automatically generated">
             <a:extLst>
               <a:ext uri="{FF2B5EF4-FFF2-40B4-BE49-F238E27FC236}">
-                <a16:creationId xmlns:a16="http://schemas.microsoft.com/office/drawing/2014/main" xmlns="" id="{08D8E659-ABBD-4E58-8353-D33866EBB3E6}"/>
+                <a16:creationId xmlns:a16="http://schemas.microsoft.com/office/drawing/2014/main" id="{08D8E659-ABBD-4E58-8353-D33866EBB3E6}"/>
               </a:ext>
             </a:extLst>
           </p:cNvPr>
@@ -13236,7 +13171,7 @@
           <p:cNvPr id="7" name="Rectangle 6">
             <a:extLst>
               <a:ext uri="{FF2B5EF4-FFF2-40B4-BE49-F238E27FC236}">
-                <a16:creationId xmlns:a16="http://schemas.microsoft.com/office/drawing/2014/main" xmlns="" id="{D14CB69A-0424-4C01-A311-B65E140C5B4A}"/>
+                <a16:creationId xmlns:a16="http://schemas.microsoft.com/office/drawing/2014/main" id="{D14CB69A-0424-4C01-A311-B65E140C5B4A}"/>
               </a:ext>
             </a:extLst>
           </p:cNvPr>
@@ -13626,7 +13561,7 @@
           <p:cNvPr id="14" name="Straight Connector 13">
             <a:extLst>
               <a:ext uri="{FF2B5EF4-FFF2-40B4-BE49-F238E27FC236}">
-                <a16:creationId xmlns:a16="http://schemas.microsoft.com/office/drawing/2014/main" xmlns="" id="{A4293697-6E2C-4331-B4E1-C58B355192F4}"/>
+                <a16:creationId xmlns:a16="http://schemas.microsoft.com/office/drawing/2014/main" id="{A4293697-6E2C-4331-B4E1-C58B355192F4}"/>
               </a:ext>
             </a:extLst>
           </p:cNvPr>
@@ -13703,7 +13638,11 @@
           <a:p>
             <a:pPr algn="just" eaLnBrk="1" hangingPunct="1"/>
             <a:r>
-              <a:rPr lang="en-IN" sz="2000" dirty="0"/>
+              <a:rPr lang="en-IN" sz="2000" dirty="0">
+                <a:highlight>
+                  <a:srgbClr val="FFFF00"/>
+                </a:highlight>
+              </a:rPr>
               <a:t>Polymers made up of linear chains </a:t>
             </a:r>
             <a:r>
@@ -13711,11 +13650,18 @@
                 <a:solidFill>
                   <a:srgbClr val="C42ABD"/>
                 </a:solidFill>
+                <a:highlight>
+                  <a:srgbClr val="FFFF00"/>
+                </a:highlight>
               </a:rPr>
               <a:t>without bulky pendant groups </a:t>
             </a:r>
             <a:r>
-              <a:rPr lang="en-IN" sz="2000" dirty="0"/>
+              <a:rPr lang="en-IN" sz="2000" dirty="0">
+                <a:highlight>
+                  <a:srgbClr val="FFFF00"/>
+                </a:highlight>
+              </a:rPr>
               <a:t>are more crystalline</a:t>
             </a:r>
           </a:p>
@@ -13758,7 +13704,11 @@
           <a:p>
             <a:pPr algn="just"/>
             <a:r>
-              <a:rPr lang="en-US" sz="2000" dirty="0"/>
+              <a:rPr lang="en-US" sz="2000" dirty="0">
+                <a:highlight>
+                  <a:srgbClr val="FFFF00"/>
+                </a:highlight>
+              </a:rPr>
               <a:t>Polymers containing </a:t>
             </a:r>
             <a:r>
@@ -13766,11 +13716,18 @@
                 <a:solidFill>
                   <a:srgbClr val="C42ABD"/>
                 </a:solidFill>
+                <a:highlight>
+                  <a:srgbClr val="FFFF00"/>
+                </a:highlight>
               </a:rPr>
               <a:t>polar groups </a:t>
             </a:r>
             <a:r>
-              <a:rPr lang="en-US" sz="2000" dirty="0"/>
+              <a:rPr lang="en-US" sz="2000" dirty="0">
+                <a:highlight>
+                  <a:srgbClr val="FFFF00"/>
+                </a:highlight>
+              </a:rPr>
               <a:t>are more crystalline</a:t>
             </a:r>
           </a:p>
@@ -13832,7 +13789,7 @@
           <p:cNvPr id="1026" name="Picture 2" descr="ENS 205 Materials Science I Chapter 13: Polymers - ppt video online download">
             <a:extLst>
               <a:ext uri="{FF2B5EF4-FFF2-40B4-BE49-F238E27FC236}">
-                <a16:creationId xmlns:a16="http://schemas.microsoft.com/office/drawing/2014/main" xmlns="" id="{4672376F-2310-4EB7-AA9F-5152EB928999}"/>
+                <a16:creationId xmlns:a16="http://schemas.microsoft.com/office/drawing/2014/main" id="{4672376F-2310-4EB7-AA9F-5152EB928999}"/>
               </a:ext>
             </a:extLst>
           </p:cNvPr>
@@ -13877,7 +13834,7 @@
           <p:cNvPr id="8" name="Straight Connector 7">
             <a:extLst>
               <a:ext uri="{FF2B5EF4-FFF2-40B4-BE49-F238E27FC236}">
-                <a16:creationId xmlns:a16="http://schemas.microsoft.com/office/drawing/2014/main" xmlns="" id="{A4293697-6E2C-4331-B4E1-C58B355192F4}"/>
+                <a16:creationId xmlns:a16="http://schemas.microsoft.com/office/drawing/2014/main" id="{A4293697-6E2C-4331-B4E1-C58B355192F4}"/>
               </a:ext>
             </a:extLst>
           </p:cNvPr>
@@ -13920,7 +13877,7 @@
           <p:cNvPr id="6" name="Picture 5" descr="A close up of a logo&#10;&#10;Description automatically generated">
             <a:extLst>
               <a:ext uri="{FF2B5EF4-FFF2-40B4-BE49-F238E27FC236}">
-                <a16:creationId xmlns:a16="http://schemas.microsoft.com/office/drawing/2014/main" xmlns="" id="{08D8E659-ABBD-4E58-8353-D33866EBB3E6}"/>
+                <a16:creationId xmlns:a16="http://schemas.microsoft.com/office/drawing/2014/main" id="{08D8E659-ABBD-4E58-8353-D33866EBB3E6}"/>
               </a:ext>
             </a:extLst>
           </p:cNvPr>
@@ -13956,7 +13913,7 @@
           <p:cNvPr id="7" name="Rectangle 6">
             <a:extLst>
               <a:ext uri="{FF2B5EF4-FFF2-40B4-BE49-F238E27FC236}">
-                <a16:creationId xmlns:a16="http://schemas.microsoft.com/office/drawing/2014/main" xmlns="" id="{D14CB69A-0424-4C01-A311-B65E140C5B4A}"/>
+                <a16:creationId xmlns:a16="http://schemas.microsoft.com/office/drawing/2014/main" id="{D14CB69A-0424-4C01-A311-B65E140C5B4A}"/>
               </a:ext>
             </a:extLst>
           </p:cNvPr>
@@ -14346,7 +14303,7 @@
           <p:cNvPr id="14" name="Straight Connector 13">
             <a:extLst>
               <a:ext uri="{FF2B5EF4-FFF2-40B4-BE49-F238E27FC236}">
-                <a16:creationId xmlns:a16="http://schemas.microsoft.com/office/drawing/2014/main" xmlns="" id="{A4293697-6E2C-4331-B4E1-C58B355192F4}"/>
+                <a16:creationId xmlns:a16="http://schemas.microsoft.com/office/drawing/2014/main" id="{A4293697-6E2C-4331-B4E1-C58B355192F4}"/>
               </a:ext>
             </a:extLst>
           </p:cNvPr>
@@ -14389,7 +14346,7 @@
           <p:cNvPr id="15" name="TextBox 14">
             <a:extLst>
               <a:ext uri="{FF2B5EF4-FFF2-40B4-BE49-F238E27FC236}">
-                <a16:creationId xmlns:a16="http://schemas.microsoft.com/office/drawing/2014/main" xmlns="" id="{705CB116-BE63-4E51-BDD4-CD21273954EA}"/>
+                <a16:creationId xmlns:a16="http://schemas.microsoft.com/office/drawing/2014/main" id="{705CB116-BE63-4E51-BDD4-CD21273954EA}"/>
               </a:ext>
             </a:extLst>
           </p:cNvPr>
@@ -14441,6 +14398,9 @@
                 <a:solidFill>
                   <a:srgbClr val="C42ABD"/>
                 </a:solidFill>
+                <a:highlight>
+                  <a:srgbClr val="FFFF00"/>
+                </a:highlight>
                 <a:latin typeface="+mn-lt"/>
               </a:rPr>
               <a:t>stereoregularity </a:t>
@@ -14466,6 +14426,9 @@
                 <a:solidFill>
                   <a:srgbClr val="C42ABD"/>
                 </a:solidFill>
+                <a:highlight>
+                  <a:srgbClr val="FFFF00"/>
+                </a:highlight>
               </a:rPr>
               <a:t>isotactic, syndiotactic and atactic</a:t>
             </a:r>
@@ -14482,7 +14445,11 @@
               <a:t> </a:t>
             </a:r>
             <a:r>
-              <a:rPr lang="en-US" sz="2000" dirty="0"/>
+              <a:rPr lang="en-US" sz="2000" dirty="0">
+                <a:highlight>
+                  <a:srgbClr val="FFFF00"/>
+                </a:highlight>
+              </a:rPr>
               <a:t>Isotactic polymers are found to be </a:t>
             </a:r>
             <a:r>
@@ -14490,11 +14457,18 @@
                 <a:solidFill>
                   <a:srgbClr val="C42ABD"/>
                 </a:solidFill>
+                <a:highlight>
+                  <a:srgbClr val="FFFF00"/>
+                </a:highlight>
               </a:rPr>
               <a:t>most crystalline </a:t>
             </a:r>
             <a:r>
-              <a:rPr lang="en-US" sz="2000" dirty="0"/>
+              <a:rPr lang="en-US" sz="2000" dirty="0">
+                <a:highlight>
+                  <a:srgbClr val="FFFF00"/>
+                </a:highlight>
+              </a:rPr>
               <a:t>while atactic are found to be </a:t>
             </a:r>
             <a:r>
@@ -14502,16 +14476,11 @@
                 <a:solidFill>
                   <a:srgbClr val="C42ABD"/>
                 </a:solidFill>
+                <a:highlight>
+                  <a:srgbClr val="FFFF00"/>
+                </a:highlight>
               </a:rPr>
-              <a:t>least </a:t>
-            </a:r>
-            <a:r>
-              <a:rPr lang="en-US" sz="2000" b="1" dirty="0" smtClean="0">
-                <a:solidFill>
-                  <a:srgbClr val="C42ABD"/>
-                </a:solidFill>
-              </a:rPr>
-              <a:t>crystalline</a:t>
+              <a:t>least crystalline</a:t>
             </a:r>
           </a:p>
           <a:p>
@@ -14520,7 +14489,7 @@
               <a:buChar char="•"/>
             </a:pPr>
             <a:r>
-              <a:rPr lang="en-IN" sz="2000" dirty="0" smtClean="0"/>
+              <a:rPr lang="en-IN" sz="2000" dirty="0"/>
               <a:t>High </a:t>
             </a:r>
             <a:r>
@@ -14550,7 +14519,7 @@
           <p:cNvPr id="17" name="TextBox 16">
             <a:extLst>
               <a:ext uri="{FF2B5EF4-FFF2-40B4-BE49-F238E27FC236}">
-                <a16:creationId xmlns:a16="http://schemas.microsoft.com/office/drawing/2014/main" xmlns="" id="{1D38B777-B6BA-404B-A96F-550B66027484}"/>
+                <a16:creationId xmlns:a16="http://schemas.microsoft.com/office/drawing/2014/main" id="{1D38B777-B6BA-404B-A96F-550B66027484}"/>
               </a:ext>
             </a:extLst>
           </p:cNvPr>
@@ -14645,7 +14614,7 @@
           <p:cNvPr id="8" name="Straight Connector 7">
             <a:extLst>
               <a:ext uri="{FF2B5EF4-FFF2-40B4-BE49-F238E27FC236}">
-                <a16:creationId xmlns:a16="http://schemas.microsoft.com/office/drawing/2014/main" xmlns="" id="{A4293697-6E2C-4331-B4E1-C58B355192F4}"/>
+                <a16:creationId xmlns:a16="http://schemas.microsoft.com/office/drawing/2014/main" id="{A4293697-6E2C-4331-B4E1-C58B355192F4}"/>
               </a:ext>
             </a:extLst>
           </p:cNvPr>
@@ -14688,7 +14657,7 @@
           <p:cNvPr id="6" name="Picture 5" descr="A close up of a logo&#10;&#10;Description automatically generated">
             <a:extLst>
               <a:ext uri="{FF2B5EF4-FFF2-40B4-BE49-F238E27FC236}">
-                <a16:creationId xmlns:a16="http://schemas.microsoft.com/office/drawing/2014/main" xmlns="" id="{08D8E659-ABBD-4E58-8353-D33866EBB3E6}"/>
+                <a16:creationId xmlns:a16="http://schemas.microsoft.com/office/drawing/2014/main" id="{08D8E659-ABBD-4E58-8353-D33866EBB3E6}"/>
               </a:ext>
             </a:extLst>
           </p:cNvPr>
@@ -14724,7 +14693,7 @@
           <p:cNvPr id="7" name="Rectangle 6">
             <a:extLst>
               <a:ext uri="{FF2B5EF4-FFF2-40B4-BE49-F238E27FC236}">
-                <a16:creationId xmlns:a16="http://schemas.microsoft.com/office/drawing/2014/main" xmlns="" id="{D14CB69A-0424-4C01-A311-B65E140C5B4A}"/>
+                <a16:creationId xmlns:a16="http://schemas.microsoft.com/office/drawing/2014/main" id="{D14CB69A-0424-4C01-A311-B65E140C5B4A}"/>
               </a:ext>
             </a:extLst>
           </p:cNvPr>
@@ -15148,7 +15117,11 @@
               <a:buChar char="•"/>
             </a:pPr>
             <a:r>
-              <a:rPr lang="en-GB" dirty="0"/>
+              <a:rPr lang="en-GB" dirty="0">
+                <a:highlight>
+                  <a:srgbClr val="FFFF00"/>
+                </a:highlight>
+              </a:rPr>
               <a:t>The </a:t>
             </a:r>
             <a:r>
@@ -15156,11 +15129,18 @@
                 <a:solidFill>
                   <a:srgbClr val="C42ABD"/>
                 </a:solidFill>
+                <a:highlight>
+                  <a:srgbClr val="FFFF00"/>
+                </a:highlight>
               </a:rPr>
               <a:t>amount of stress </a:t>
             </a:r>
             <a:r>
-              <a:rPr lang="en-GB" dirty="0"/>
+              <a:rPr lang="en-GB" dirty="0">
+                <a:highlight>
+                  <a:srgbClr val="FFFF00"/>
+                </a:highlight>
+              </a:rPr>
               <a:t>a polymer can take before undergoing permanent deformation</a:t>
             </a:r>
           </a:p>
@@ -15188,25 +15168,40 @@
                 <a:solidFill>
                   <a:srgbClr val="C42ABD"/>
                 </a:solidFill>
+                <a:highlight>
+                  <a:srgbClr val="FFFF00"/>
+                </a:highlight>
               </a:rPr>
               <a:t>Molecular mass </a:t>
             </a:r>
             <a:r>
-              <a:rPr lang="en-IN" dirty="0"/>
+              <a:rPr lang="en-IN" dirty="0">
+                <a:highlight>
+                  <a:srgbClr val="FFFF00"/>
+                </a:highlight>
+              </a:rPr>
               <a:t>- low molecular mass polymers are soft and</a:t>
             </a:r>
           </a:p>
           <a:p>
             <a:pPr lvl="1"/>
             <a:r>
-              <a:rPr lang="en-IN" dirty="0"/>
+              <a:rPr lang="en-IN" dirty="0">
+                <a:highlight>
+                  <a:srgbClr val="FFFF00"/>
+                </a:highlight>
+              </a:rPr>
               <a:t>         gummy, high molecular mass polymers are tough and heat</a:t>
             </a:r>
           </a:p>
           <a:p>
             <a:pPr lvl="1"/>
             <a:r>
-              <a:rPr lang="en-IN" dirty="0"/>
+              <a:rPr lang="en-IN" dirty="0">
+                <a:highlight>
+                  <a:srgbClr val="FFFF00"/>
+                </a:highlight>
+              </a:rPr>
               <a:t>         resistant</a:t>
             </a:r>
           </a:p>
@@ -15217,13 +15212,24 @@
             </a:pPr>
             <a:r>
               <a:rPr lang="en-IN" dirty="0"/>
-              <a:t>By increasing molecular mass the </a:t>
+              <a:t>By </a:t>
+            </a:r>
+            <a:r>
+              <a:rPr lang="en-IN" dirty="0">
+                <a:highlight>
+                  <a:srgbClr val="FFFF00"/>
+                </a:highlight>
+              </a:rPr>
+              <a:t>increasing molecular mass the </a:t>
             </a:r>
             <a:r>
               <a:rPr lang="en-IN" b="1" dirty="0">
                 <a:solidFill>
                   <a:srgbClr val="C42ABD"/>
                 </a:solidFill>
+                <a:highlight>
+                  <a:srgbClr val="FFFF00"/>
+                </a:highlight>
               </a:rPr>
               <a:t>tensile strength increases </a:t>
             </a:r>
@@ -15242,11 +15248,18 @@
                 <a:solidFill>
                   <a:srgbClr val="C42ABD"/>
                 </a:solidFill>
+                <a:highlight>
+                  <a:srgbClr val="FFFF00"/>
+                </a:highlight>
               </a:rPr>
               <a:t>Melt viscosity </a:t>
             </a:r>
             <a:r>
-              <a:rPr lang="en-IN" dirty="0"/>
+              <a:rPr lang="en-IN" dirty="0">
+                <a:highlight>
+                  <a:srgbClr val="FFFF00"/>
+                </a:highlight>
+              </a:rPr>
               <a:t>initially shows gradual increase then increases steeply with high molecular weight</a:t>
             </a:r>
           </a:p>
@@ -15328,7 +15341,7 @@
           <p:cNvPr id="8" name="Straight Connector 7">
             <a:extLst>
               <a:ext uri="{FF2B5EF4-FFF2-40B4-BE49-F238E27FC236}">
-                <a16:creationId xmlns:a16="http://schemas.microsoft.com/office/drawing/2014/main" xmlns="" id="{A4293697-6E2C-4331-B4E1-C58B355192F4}"/>
+                <a16:creationId xmlns:a16="http://schemas.microsoft.com/office/drawing/2014/main" id="{A4293697-6E2C-4331-B4E1-C58B355192F4}"/>
               </a:ext>
             </a:extLst>
           </p:cNvPr>
@@ -15371,7 +15384,7 @@
           <p:cNvPr id="6" name="Picture 5" descr="A close up of a logo&#10;&#10;Description automatically generated">
             <a:extLst>
               <a:ext uri="{FF2B5EF4-FFF2-40B4-BE49-F238E27FC236}">
-                <a16:creationId xmlns:a16="http://schemas.microsoft.com/office/drawing/2014/main" xmlns="" id="{08D8E659-ABBD-4E58-8353-D33866EBB3E6}"/>
+                <a16:creationId xmlns:a16="http://schemas.microsoft.com/office/drawing/2014/main" id="{08D8E659-ABBD-4E58-8353-D33866EBB3E6}"/>
               </a:ext>
             </a:extLst>
           </p:cNvPr>
@@ -15407,7 +15420,7 @@
           <p:cNvPr id="7" name="Rectangle 6">
             <a:extLst>
               <a:ext uri="{FF2B5EF4-FFF2-40B4-BE49-F238E27FC236}">
-                <a16:creationId xmlns:a16="http://schemas.microsoft.com/office/drawing/2014/main" xmlns="" id="{D14CB69A-0424-4C01-A311-B65E140C5B4A}"/>
+                <a16:creationId xmlns:a16="http://schemas.microsoft.com/office/drawing/2014/main" id="{D14CB69A-0424-4C01-A311-B65E140C5B4A}"/>
               </a:ext>
             </a:extLst>
           </p:cNvPr>
@@ -15829,13 +15842,24 @@
             </a:pPr>
             <a:r>
               <a:rPr lang="en-IN" sz="2400" dirty="0"/>
-              <a:t>  Tensile strength increases when polymer has </a:t>
+              <a:t>  </a:t>
+            </a:r>
+            <a:r>
+              <a:rPr lang="en-IN" sz="2400" dirty="0">
+                <a:highlight>
+                  <a:srgbClr val="FFFF00"/>
+                </a:highlight>
+              </a:rPr>
+              <a:t>Tensile strength increases when polymer has </a:t>
             </a:r>
             <a:r>
               <a:rPr lang="en-IN" sz="2400" b="1" dirty="0">
                 <a:solidFill>
                   <a:srgbClr val="C42ABD"/>
                 </a:solidFill>
+                <a:highlight>
+                  <a:srgbClr val="FFFF00"/>
+                </a:highlight>
               </a:rPr>
               <a:t>polar</a:t>
             </a:r>
@@ -15849,6 +15873,9 @@
                 <a:solidFill>
                   <a:srgbClr val="C42ABD"/>
                 </a:solidFill>
+                <a:highlight>
+                  <a:srgbClr val="FFFF00"/>
+                </a:highlight>
               </a:rPr>
               <a:t>   groups</a:t>
             </a:r>
@@ -15931,10 +15958,25 @@
                 </a:solidFill>
                 <a:latin typeface="+mn-lt"/>
               </a:rPr>
-              <a:t>  Cross linking </a:t>
+              <a:t>  </a:t>
+            </a:r>
+            <a:r>
+              <a:rPr lang="en-US" sz="2400" b="1" dirty="0">
+                <a:solidFill>
+                  <a:srgbClr val="C42ABD"/>
+                </a:solidFill>
+                <a:highlight>
+                  <a:srgbClr val="FFFF00"/>
+                </a:highlight>
+                <a:latin typeface="+mn-lt"/>
+              </a:rPr>
+              <a:t>Cross linking </a:t>
             </a:r>
             <a:r>
               <a:rPr lang="en-US" sz="2400" dirty="0">
+                <a:highlight>
+                  <a:srgbClr val="FFFF00"/>
+                </a:highlight>
                 <a:latin typeface="+mn-lt"/>
               </a:rPr>
               <a:t>in a polymer also increases its tensile</a:t>
@@ -15945,11 +15987,18 @@
               <a:defRPr/>
             </a:pPr>
             <a:r>
-              <a:rPr lang="en-US" sz="2400" dirty="0"/>
+              <a:rPr lang="en-US" sz="2400" dirty="0">
+                <a:highlight>
+                  <a:srgbClr val="FFFF00"/>
+                </a:highlight>
+              </a:rPr>
               <a:t>  </a:t>
             </a:r>
             <a:r>
               <a:rPr lang="en-US" sz="2400" dirty="0">
+                <a:highlight>
+                  <a:srgbClr val="FFFF00"/>
+                </a:highlight>
                 <a:latin typeface="+mn-lt"/>
               </a:rPr>
               <a:t> strength</a:t>
@@ -15992,7 +16041,7 @@
           <p:cNvPr id="8" name="Straight Connector 7">
             <a:extLst>
               <a:ext uri="{FF2B5EF4-FFF2-40B4-BE49-F238E27FC236}">
-                <a16:creationId xmlns:a16="http://schemas.microsoft.com/office/drawing/2014/main" xmlns="" id="{A4293697-6E2C-4331-B4E1-C58B355192F4}"/>
+                <a16:creationId xmlns:a16="http://schemas.microsoft.com/office/drawing/2014/main" id="{A4293697-6E2C-4331-B4E1-C58B355192F4}"/>
               </a:ext>
             </a:extLst>
           </p:cNvPr>
@@ -16035,7 +16084,7 @@
           <p:cNvPr id="6" name="Picture 5" descr="A close up of a logo&#10;&#10;Description automatically generated">
             <a:extLst>
               <a:ext uri="{FF2B5EF4-FFF2-40B4-BE49-F238E27FC236}">
-                <a16:creationId xmlns:a16="http://schemas.microsoft.com/office/drawing/2014/main" xmlns="" id="{08D8E659-ABBD-4E58-8353-D33866EBB3E6}"/>
+                <a16:creationId xmlns:a16="http://schemas.microsoft.com/office/drawing/2014/main" id="{08D8E659-ABBD-4E58-8353-D33866EBB3E6}"/>
               </a:ext>
             </a:extLst>
           </p:cNvPr>
@@ -16071,7 +16120,7 @@
           <p:cNvPr id="7" name="Rectangle 6">
             <a:extLst>
               <a:ext uri="{FF2B5EF4-FFF2-40B4-BE49-F238E27FC236}">
-                <a16:creationId xmlns:a16="http://schemas.microsoft.com/office/drawing/2014/main" xmlns="" id="{D14CB69A-0424-4C01-A311-B65E140C5B4A}"/>
+                <a16:creationId xmlns:a16="http://schemas.microsoft.com/office/drawing/2014/main" id="{D14CB69A-0424-4C01-A311-B65E140C5B4A}"/>
               </a:ext>
             </a:extLst>
           </p:cNvPr>
@@ -16508,22 +16557,43 @@
               <a:rPr lang="en-US" sz="2000" dirty="0">
                 <a:latin typeface="+mn-lt"/>
               </a:rPr>
-              <a:t>The property of a polymer by which it </a:t>
+              <a:t>The property of a polymer by which </a:t>
+            </a:r>
+            <a:r>
+              <a:rPr lang="en-US" sz="2000" dirty="0">
+                <a:highlight>
+                  <a:srgbClr val="FFFF00"/>
+                </a:highlight>
+                <a:latin typeface="+mn-lt"/>
+              </a:rPr>
+              <a:t>it </a:t>
             </a:r>
             <a:r>
               <a:rPr lang="en-US" sz="2000" b="1" dirty="0">
                 <a:solidFill>
                   <a:srgbClr val="C42ABD"/>
                 </a:solidFill>
+                <a:highlight>
+                  <a:srgbClr val="FFFF00"/>
+                </a:highlight>
                 <a:latin typeface="+mn-lt"/>
               </a:rPr>
               <a:t>deforms on applying force and regains original shape on release of force</a:t>
             </a:r>
             <a:r>
               <a:rPr lang="en-US" sz="2000" dirty="0">
+                <a:highlight>
+                  <a:srgbClr val="FFFF00"/>
+                </a:highlight>
                 <a:latin typeface="+mn-lt"/>
               </a:rPr>
-              <a:t> is called elasticity</a:t>
+              <a:t> </a:t>
+            </a:r>
+            <a:r>
+              <a:rPr lang="en-US" sz="2000" dirty="0">
+                <a:latin typeface="+mn-lt"/>
+              </a:rPr>
+              <a:t>is called elasticity</a:t>
             </a:r>
           </a:p>
           <a:p>
@@ -16542,6 +16612,9 @@
             </a:pPr>
             <a:r>
               <a:rPr lang="en-US" sz="2000" dirty="0">
+                <a:highlight>
+                  <a:srgbClr val="FFFF00"/>
+                </a:highlight>
                 <a:latin typeface="+mn-lt"/>
               </a:rPr>
               <a:t>Elastomers have </a:t>
@@ -16551,6 +16624,9 @@
                 <a:solidFill>
                   <a:srgbClr val="C42ABD"/>
                 </a:solidFill>
+                <a:highlight>
+                  <a:srgbClr val="FFFF00"/>
+                </a:highlight>
                 <a:latin typeface="+mn-lt"/>
               </a:rPr>
               <a:t>long coiled and entangled chains </a:t>
@@ -16779,7 +16855,7 @@
           <p:cNvPr id="8" name="Straight Connector 7">
             <a:extLst>
               <a:ext uri="{FF2B5EF4-FFF2-40B4-BE49-F238E27FC236}">
-                <a16:creationId xmlns:a16="http://schemas.microsoft.com/office/drawing/2014/main" xmlns="" id="{A4293697-6E2C-4331-B4E1-C58B355192F4}"/>
+                <a16:creationId xmlns:a16="http://schemas.microsoft.com/office/drawing/2014/main" id="{A4293697-6E2C-4331-B4E1-C58B355192F4}"/>
               </a:ext>
             </a:extLst>
           </p:cNvPr>
@@ -16822,7 +16898,7 @@
           <p:cNvPr id="6" name="Picture 5" descr="A close up of a logo&#10;&#10;Description automatically generated">
             <a:extLst>
               <a:ext uri="{FF2B5EF4-FFF2-40B4-BE49-F238E27FC236}">
-                <a16:creationId xmlns:a16="http://schemas.microsoft.com/office/drawing/2014/main" xmlns="" id="{08D8E659-ABBD-4E58-8353-D33866EBB3E6}"/>
+                <a16:creationId xmlns:a16="http://schemas.microsoft.com/office/drawing/2014/main" id="{08D8E659-ABBD-4E58-8353-D33866EBB3E6}"/>
               </a:ext>
             </a:extLst>
           </p:cNvPr>
@@ -16858,7 +16934,7 @@
           <p:cNvPr id="7" name="Rectangle 6">
             <a:extLst>
               <a:ext uri="{FF2B5EF4-FFF2-40B4-BE49-F238E27FC236}">
-                <a16:creationId xmlns:a16="http://schemas.microsoft.com/office/drawing/2014/main" xmlns="" id="{D14CB69A-0424-4C01-A311-B65E140C5B4A}"/>
+                <a16:creationId xmlns:a16="http://schemas.microsoft.com/office/drawing/2014/main" id="{D14CB69A-0424-4C01-A311-B65E140C5B4A}"/>
               </a:ext>
             </a:extLst>
           </p:cNvPr>
@@ -17276,7 +17352,11 @@
               <a:t> </a:t>
             </a:r>
             <a:r>
-              <a:rPr lang="en-US" sz="2400" dirty="0"/>
+              <a:rPr lang="en-US" sz="2400" dirty="0">
+                <a:highlight>
+                  <a:srgbClr val="FFFF00"/>
+                </a:highlight>
+              </a:rPr>
               <a:t>Presence of </a:t>
             </a:r>
             <a:r>
@@ -17284,6 +17364,9 @@
                 <a:solidFill>
                   <a:srgbClr val="C42ABD"/>
                 </a:solidFill>
+                <a:highlight>
+                  <a:srgbClr val="FFFF00"/>
+                </a:highlight>
               </a:rPr>
               <a:t>polar groups </a:t>
             </a:r>
@@ -17314,6 +17397,9 @@
                 <a:solidFill>
                   <a:srgbClr val="C42ABD"/>
                 </a:solidFill>
+                <a:highlight>
+                  <a:srgbClr val="FFFF00"/>
+                </a:highlight>
               </a:rPr>
               <a:t>stiff and inflexible </a:t>
             </a:r>
@@ -17343,7 +17429,19 @@
                 </a:solidFill>
                 <a:latin typeface="+mn-lt"/>
               </a:rPr>
-              <a:t> Non polar groups </a:t>
+              <a:t> </a:t>
+            </a:r>
+            <a:r>
+              <a:rPr lang="en-US" sz="2400" b="1" dirty="0">
+                <a:solidFill>
+                  <a:srgbClr val="C42ABD"/>
+                </a:solidFill>
+                <a:highlight>
+                  <a:srgbClr val="FFFF00"/>
+                </a:highlight>
+                <a:latin typeface="+mn-lt"/>
+              </a:rPr>
+              <a:t>Non polar groups </a:t>
             </a:r>
             <a:r>
               <a:rPr lang="en-US" sz="2400" dirty="0">
@@ -17376,13 +17474,25 @@
               <a:rPr lang="en-US" sz="2400" dirty="0">
                 <a:latin typeface="+mn-lt"/>
               </a:rPr>
-              <a:t> attraction between them and hence they are </a:t>
+              <a:t> attraction between them and hence they </a:t>
+            </a:r>
+            <a:r>
+              <a:rPr lang="en-US" sz="2400" dirty="0">
+                <a:highlight>
+                  <a:srgbClr val="FFFF00"/>
+                </a:highlight>
+                <a:latin typeface="+mn-lt"/>
+              </a:rPr>
+              <a:t>are </a:t>
             </a:r>
             <a:r>
               <a:rPr lang="en-US" sz="2400" b="1" dirty="0">
                 <a:solidFill>
                   <a:srgbClr val="C42ABD"/>
                 </a:solidFill>
+                <a:highlight>
+                  <a:srgbClr val="FFFF00"/>
+                </a:highlight>
                 <a:latin typeface="+mn-lt"/>
               </a:rPr>
               <a:t>more</a:t>
@@ -17397,6 +17507,9 @@
                 <a:solidFill>
                   <a:srgbClr val="C42ABD"/>
                 </a:solidFill>
+                <a:highlight>
+                  <a:srgbClr val="FFFF00"/>
+                </a:highlight>
               </a:rPr>
               <a:t> </a:t>
             </a:r>
@@ -17405,6 +17518,9 @@
                 <a:solidFill>
                   <a:srgbClr val="C42ABD"/>
                 </a:solidFill>
+                <a:highlight>
+                  <a:srgbClr val="FFFF00"/>
+                </a:highlight>
                 <a:latin typeface="+mn-lt"/>
               </a:rPr>
               <a:t> elastic </a:t>
@@ -17428,13 +17544,25 @@
               <a:rPr lang="en-US" sz="2400" dirty="0">
                 <a:latin typeface="+mn-lt"/>
               </a:rPr>
-              <a:t> Presence of </a:t>
+              <a:t> Presence </a:t>
+            </a:r>
+            <a:r>
+              <a:rPr lang="en-US" sz="2400" dirty="0">
+                <a:highlight>
+                  <a:srgbClr val="FFFF00"/>
+                </a:highlight>
+                <a:latin typeface="+mn-lt"/>
+              </a:rPr>
+              <a:t>of </a:t>
             </a:r>
             <a:r>
               <a:rPr lang="en-US" sz="2400" b="1" dirty="0">
                 <a:solidFill>
                   <a:srgbClr val="C42ABD"/>
                 </a:solidFill>
+                <a:highlight>
+                  <a:srgbClr val="FFFF00"/>
+                </a:highlight>
                 <a:latin typeface="+mn-lt"/>
               </a:rPr>
               <a:t>bulky, aromatic and cyclic groups </a:t>
@@ -17458,19 +17586,34 @@
               <a:rPr lang="en-US" sz="2400" dirty="0">
                 <a:latin typeface="+mn-lt"/>
               </a:rPr>
-              <a:t> polymer </a:t>
+              <a:t> </a:t>
+            </a:r>
+            <a:r>
+              <a:rPr lang="en-US" sz="2400" dirty="0">
+                <a:highlight>
+                  <a:srgbClr val="FFFF00"/>
+                </a:highlight>
+                <a:latin typeface="+mn-lt"/>
+              </a:rPr>
+              <a:t>polymer </a:t>
             </a:r>
             <a:r>
               <a:rPr lang="en-US" sz="2400" b="1" dirty="0">
                 <a:solidFill>
                   <a:srgbClr val="C42ABD"/>
                 </a:solidFill>
+                <a:highlight>
+                  <a:srgbClr val="FFFF00"/>
+                </a:highlight>
                 <a:latin typeface="+mn-lt"/>
               </a:rPr>
               <a:t>decreases</a:t>
             </a:r>
             <a:r>
               <a:rPr lang="en-US" sz="2400" dirty="0">
+                <a:highlight>
+                  <a:srgbClr val="FFFF00"/>
+                </a:highlight>
                 <a:latin typeface="+mn-lt"/>
               </a:rPr>
               <a:t> the elasticity of the polymer</a:t>
@@ -17529,7 +17672,7 @@
           <p:cNvPr id="8" name="Straight Connector 7">
             <a:extLst>
               <a:ext uri="{FF2B5EF4-FFF2-40B4-BE49-F238E27FC236}">
-                <a16:creationId xmlns:a16="http://schemas.microsoft.com/office/drawing/2014/main" xmlns="" id="{A4293697-6E2C-4331-B4E1-C58B355192F4}"/>
+                <a16:creationId xmlns:a16="http://schemas.microsoft.com/office/drawing/2014/main" id="{A4293697-6E2C-4331-B4E1-C58B355192F4}"/>
               </a:ext>
             </a:extLst>
           </p:cNvPr>
@@ -17572,7 +17715,7 @@
           <p:cNvPr id="6" name="Picture 5" descr="A close up of a logo&#10;&#10;Description automatically generated">
             <a:extLst>
               <a:ext uri="{FF2B5EF4-FFF2-40B4-BE49-F238E27FC236}">
-                <a16:creationId xmlns:a16="http://schemas.microsoft.com/office/drawing/2014/main" xmlns="" id="{08D8E659-ABBD-4E58-8353-D33866EBB3E6}"/>
+                <a16:creationId xmlns:a16="http://schemas.microsoft.com/office/drawing/2014/main" id="{08D8E659-ABBD-4E58-8353-D33866EBB3E6}"/>
               </a:ext>
             </a:extLst>
           </p:cNvPr>
@@ -17608,7 +17751,7 @@
           <p:cNvPr id="7" name="Rectangle 6">
             <a:extLst>
               <a:ext uri="{FF2B5EF4-FFF2-40B4-BE49-F238E27FC236}">
-                <a16:creationId xmlns:a16="http://schemas.microsoft.com/office/drawing/2014/main" xmlns="" id="{D14CB69A-0424-4C01-A311-B65E140C5B4A}"/>
+                <a16:creationId xmlns:a16="http://schemas.microsoft.com/office/drawing/2014/main" id="{D14CB69A-0424-4C01-A311-B65E140C5B4A}"/>
               </a:ext>
             </a:extLst>
           </p:cNvPr>
@@ -18329,7 +18472,7 @@
           <p:cNvPr id="14" name="Straight Connector 13">
             <a:extLst>
               <a:ext uri="{FF2B5EF4-FFF2-40B4-BE49-F238E27FC236}">
-                <a16:creationId xmlns="" xmlns:a16="http://schemas.microsoft.com/office/drawing/2014/main" id="{44FD96A8-0571-4828-AA94-7DB93A4857C5}"/>
+                <a16:creationId xmlns:a16="http://schemas.microsoft.com/office/drawing/2014/main" id="{44FD96A8-0571-4828-AA94-7DB93A4857C5}"/>
               </a:ext>
             </a:extLst>
           </p:cNvPr>
@@ -18372,7 +18515,7 @@
           <p:cNvPr id="16" name="Rectangle 15">
             <a:extLst>
               <a:ext uri="{FF2B5EF4-FFF2-40B4-BE49-F238E27FC236}">
-                <a16:creationId xmlns="" xmlns:a16="http://schemas.microsoft.com/office/drawing/2014/main" id="{32465F97-45E8-4475-81F0-E171C116B224}"/>
+                <a16:creationId xmlns:a16="http://schemas.microsoft.com/office/drawing/2014/main" id="{32465F97-45E8-4475-81F0-E171C116B224}"/>
               </a:ext>
             </a:extLst>
           </p:cNvPr>
@@ -18395,11 +18538,11 @@
           <a:lstStyle/>
           <a:p>
             <a:r>
-              <a:rPr lang="en-US" sz="2400" b="1" dirty="0" err="1" smtClean="0"/>
+              <a:rPr lang="en-US" sz="2400" b="1" dirty="0" err="1"/>
               <a:t>Asha</a:t>
             </a:r>
             <a:r>
-              <a:rPr lang="en-US" sz="2400" b="1" dirty="0" smtClean="0"/>
+              <a:rPr lang="en-US" sz="2400" b="1" dirty="0"/>
               <a:t> A</a:t>
             </a:r>
             <a:endParaRPr lang="en-IN" sz="2400" b="1" dirty="0"/>
@@ -18411,7 +18554,7 @@
           <p:cNvPr id="17" name="Rectangle 16">
             <a:extLst>
               <a:ext uri="{FF2B5EF4-FFF2-40B4-BE49-F238E27FC236}">
-                <a16:creationId xmlns="" xmlns:a16="http://schemas.microsoft.com/office/drawing/2014/main" id="{62AC1A6C-10C2-4695-9224-09DA1B0D5932}"/>
+                <a16:creationId xmlns:a16="http://schemas.microsoft.com/office/drawing/2014/main" id="{62AC1A6C-10C2-4695-9224-09DA1B0D5932}"/>
               </a:ext>
             </a:extLst>
           </p:cNvPr>
@@ -18446,7 +18589,7 @@
           <p:cNvPr id="23" name="Group 22">
             <a:extLst>
               <a:ext uri="{FF2B5EF4-FFF2-40B4-BE49-F238E27FC236}">
-                <a16:creationId xmlns="" xmlns:a16="http://schemas.microsoft.com/office/drawing/2014/main" id="{6DD8DCC0-549E-48DB-8CCA-E3FF8FBDEBF0}"/>
+                <a16:creationId xmlns:a16="http://schemas.microsoft.com/office/drawing/2014/main" id="{6DD8DCC0-549E-48DB-8CCA-E3FF8FBDEBF0}"/>
               </a:ext>
             </a:extLst>
           </p:cNvPr>
@@ -18472,7 +18615,7 @@
             <p:cNvPr id="24" name="Rectangle 23">
               <a:extLst>
                 <a:ext uri="{FF2B5EF4-FFF2-40B4-BE49-F238E27FC236}">
-                  <a16:creationId xmlns="" xmlns:a16="http://schemas.microsoft.com/office/drawing/2014/main" id="{B895392A-2454-40A6-9F7C-BC20D3A463EB}"/>
+                  <a16:creationId xmlns:a16="http://schemas.microsoft.com/office/drawing/2014/main" id="{B895392A-2454-40A6-9F7C-BC20D3A463EB}"/>
                 </a:ext>
               </a:extLst>
             </p:cNvPr>
@@ -18522,7 +18665,7 @@
             <p:cNvPr id="25" name="Rectangle 24">
               <a:extLst>
                 <a:ext uri="{FF2B5EF4-FFF2-40B4-BE49-F238E27FC236}">
-                  <a16:creationId xmlns="" xmlns:a16="http://schemas.microsoft.com/office/drawing/2014/main" id="{DC7604FF-DE88-44B6-A0D9-723028500B8B}"/>
+                  <a16:creationId xmlns:a16="http://schemas.microsoft.com/office/drawing/2014/main" id="{DC7604FF-DE88-44B6-A0D9-723028500B8B}"/>
                 </a:ext>
               </a:extLst>
             </p:cNvPr>
@@ -18572,7 +18715,7 @@
             <p:cNvPr id="26" name="Rectangle 25">
               <a:extLst>
                 <a:ext uri="{FF2B5EF4-FFF2-40B4-BE49-F238E27FC236}">
-                  <a16:creationId xmlns="" xmlns:a16="http://schemas.microsoft.com/office/drawing/2014/main" id="{35F4DC18-13F2-43D2-9B15-157998AF1875}"/>
+                  <a16:creationId xmlns:a16="http://schemas.microsoft.com/office/drawing/2014/main" id="{35F4DC18-13F2-43D2-9B15-157998AF1875}"/>
                 </a:ext>
               </a:extLst>
             </p:cNvPr>
@@ -18622,7 +18765,7 @@
             <p:cNvPr id="27" name="Rectangle 26">
               <a:extLst>
                 <a:ext uri="{FF2B5EF4-FFF2-40B4-BE49-F238E27FC236}">
-                  <a16:creationId xmlns="" xmlns:a16="http://schemas.microsoft.com/office/drawing/2014/main" id="{34375A76-1BF8-4628-B0FE-78E1BEB569B2}"/>
+                  <a16:creationId xmlns:a16="http://schemas.microsoft.com/office/drawing/2014/main" id="{34375A76-1BF8-4628-B0FE-78E1BEB569B2}"/>
                 </a:ext>
               </a:extLst>
             </p:cNvPr>
@@ -18673,7 +18816,7 @@
           <p:cNvPr id="13" name="Picture 12" descr="A close up of a logo&#10;&#10;Description automatically generated">
             <a:extLst>
               <a:ext uri="{FF2B5EF4-FFF2-40B4-BE49-F238E27FC236}">
-                <a16:creationId xmlns="" xmlns:a16="http://schemas.microsoft.com/office/drawing/2014/main" id="{DBF62E6F-20D6-4DF2-A881-ECD3EEB1A24C}"/>
+                <a16:creationId xmlns:a16="http://schemas.microsoft.com/office/drawing/2014/main" id="{DBF62E6F-20D6-4DF2-A881-ECD3EEB1A24C}"/>
               </a:ext>
             </a:extLst>
           </p:cNvPr>
@@ -18709,7 +18852,7 @@
           <p:cNvPr id="19" name="Rectangle 18">
             <a:extLst>
               <a:ext uri="{FF2B5EF4-FFF2-40B4-BE49-F238E27FC236}">
-                <a16:creationId xmlns="" xmlns:a16="http://schemas.microsoft.com/office/drawing/2014/main" id="{A6945700-3E62-4469-A35D-2B3AE23A08DF}"/>
+                <a16:creationId xmlns:a16="http://schemas.microsoft.com/office/drawing/2014/main" id="{A6945700-3E62-4469-A35D-2B3AE23A08DF}"/>
               </a:ext>
             </a:extLst>
           </p:cNvPr>
@@ -18789,7 +18932,7 @@
           <p:cNvPr id="22" name="Rectangle 21">
             <a:extLst>
               <a:ext uri="{FF2B5EF4-FFF2-40B4-BE49-F238E27FC236}">
-                <a16:creationId xmlns="" xmlns:a16="http://schemas.microsoft.com/office/drawing/2014/main" id="{620A7DEA-950C-4954-B3B7-2672370FABF4}"/>
+                <a16:creationId xmlns:a16="http://schemas.microsoft.com/office/drawing/2014/main" id="{620A7DEA-950C-4954-B3B7-2672370FABF4}"/>
               </a:ext>
             </a:extLst>
           </p:cNvPr>
@@ -18835,7 +18978,7 @@
           <p:cNvPr id="8" name="Straight Connector 7">
             <a:extLst>
               <a:ext uri="{FF2B5EF4-FFF2-40B4-BE49-F238E27FC236}">
-                <a16:creationId xmlns="" xmlns:a16="http://schemas.microsoft.com/office/drawing/2014/main" id="{A4293697-6E2C-4331-B4E1-C58B355192F4}"/>
+                <a16:creationId xmlns:a16="http://schemas.microsoft.com/office/drawing/2014/main" id="{A4293697-6E2C-4331-B4E1-C58B355192F4}"/>
               </a:ext>
             </a:extLst>
           </p:cNvPr>
@@ -18878,7 +19021,7 @@
           <p:cNvPr id="6" name="Picture 5" descr="A close up of a logo&#10;&#10;Description automatically generated">
             <a:extLst>
               <a:ext uri="{FF2B5EF4-FFF2-40B4-BE49-F238E27FC236}">
-                <a16:creationId xmlns="" xmlns:a16="http://schemas.microsoft.com/office/drawing/2014/main" id="{08D8E659-ABBD-4E58-8353-D33866EBB3E6}"/>
+                <a16:creationId xmlns:a16="http://schemas.microsoft.com/office/drawing/2014/main" id="{08D8E659-ABBD-4E58-8353-D33866EBB3E6}"/>
               </a:ext>
             </a:extLst>
           </p:cNvPr>
@@ -18914,7 +19057,7 @@
           <p:cNvPr id="9" name="Content Placeholder 2">
             <a:extLst>
               <a:ext uri="{FF2B5EF4-FFF2-40B4-BE49-F238E27FC236}">
-                <a16:creationId xmlns="" xmlns:a16="http://schemas.microsoft.com/office/drawing/2014/main" id="{B1AEBD28-7BCD-4BFF-8D86-9C5F49398112}"/>
+                <a16:creationId xmlns:a16="http://schemas.microsoft.com/office/drawing/2014/main" id="{B1AEBD28-7BCD-4BFF-8D86-9C5F49398112}"/>
               </a:ext>
             </a:extLst>
           </p:cNvPr>
@@ -19032,13 +19175,6 @@
   <p:clrMapOvr>
     <a:masterClrMapping/>
   </p:clrMapOvr>
-  <p:timing>
-    <p:tnLst>
-      <p:par>
-        <p:cTn id="1" dur="indefinite" restart="never" nodeType="tmRoot"/>
-      </p:par>
-    </p:tnLst>
-  </p:timing>
 </p:sld>
 </file>
 
@@ -19064,7 +19200,7 @@
           <p:cNvPr id="8" name="Straight Connector 7">
             <a:extLst>
               <a:ext uri="{FF2B5EF4-FFF2-40B4-BE49-F238E27FC236}">
-                <a16:creationId xmlns="" xmlns:a16="http://schemas.microsoft.com/office/drawing/2014/main" id="{A4293697-6E2C-4331-B4E1-C58B355192F4}"/>
+                <a16:creationId xmlns:a16="http://schemas.microsoft.com/office/drawing/2014/main" id="{A4293697-6E2C-4331-B4E1-C58B355192F4}"/>
               </a:ext>
             </a:extLst>
           </p:cNvPr>
@@ -19107,7 +19243,7 @@
           <p:cNvPr id="6" name="Picture 5" descr="A close up of a logo&#10;&#10;Description automatically generated">
             <a:extLst>
               <a:ext uri="{FF2B5EF4-FFF2-40B4-BE49-F238E27FC236}">
-                <a16:creationId xmlns="" xmlns:a16="http://schemas.microsoft.com/office/drawing/2014/main" id="{08D8E659-ABBD-4E58-8353-D33866EBB3E6}"/>
+                <a16:creationId xmlns:a16="http://schemas.microsoft.com/office/drawing/2014/main" id="{08D8E659-ABBD-4E58-8353-D33866EBB3E6}"/>
               </a:ext>
             </a:extLst>
           </p:cNvPr>
@@ -19143,7 +19279,7 @@
           <p:cNvPr id="7" name="Rectangle 6">
             <a:extLst>
               <a:ext uri="{FF2B5EF4-FFF2-40B4-BE49-F238E27FC236}">
-                <a16:creationId xmlns="" xmlns:a16="http://schemas.microsoft.com/office/drawing/2014/main" id="{D14CB69A-0424-4C01-A311-B65E140C5B4A}"/>
+                <a16:creationId xmlns:a16="http://schemas.microsoft.com/office/drawing/2014/main" id="{D14CB69A-0424-4C01-A311-B65E140C5B4A}"/>
               </a:ext>
             </a:extLst>
           </p:cNvPr>
@@ -19533,7 +19669,7 @@
           <p:cNvPr id="14" name="Straight Connector 13">
             <a:extLst>
               <a:ext uri="{FF2B5EF4-FFF2-40B4-BE49-F238E27FC236}">
-                <a16:creationId xmlns="" xmlns:a16="http://schemas.microsoft.com/office/drawing/2014/main" id="{A4293697-6E2C-4331-B4E1-C58B355192F4}"/>
+                <a16:creationId xmlns:a16="http://schemas.microsoft.com/office/drawing/2014/main" id="{A4293697-6E2C-4331-B4E1-C58B355192F4}"/>
               </a:ext>
             </a:extLst>
           </p:cNvPr>
@@ -19635,13 +19771,8 @@
             </a:r>
             <a:r>
               <a:rPr lang="en-GB" sz="2000" dirty="0"/>
-              <a:t>of several simple </a:t>
-            </a:r>
-            <a:r>
-              <a:rPr lang="en-GB" sz="2000" dirty="0" smtClean="0"/>
-              <a:t>molecules</a:t>
-            </a:r>
-            <a:endParaRPr lang="en-GB" sz="2000" dirty="0"/>
+              <a:t>of several simple molecules</a:t>
+            </a:r>
           </a:p>
           <a:p>
             <a:endParaRPr lang="en-GB" sz="2000" dirty="0"/>
@@ -19804,13 +19935,6 @@
   <p:clrMapOvr>
     <a:masterClrMapping/>
   </p:clrMapOvr>
-  <p:timing>
-    <p:tnLst>
-      <p:par>
-        <p:cTn id="1" dur="indefinite" restart="never" nodeType="tmRoot"/>
-      </p:par>
-    </p:tnLst>
-  </p:timing>
 </p:sld>
 </file>
 
@@ -19836,7 +19960,7 @@
           <p:cNvPr id="8" name="Straight Connector 7">
             <a:extLst>
               <a:ext uri="{FF2B5EF4-FFF2-40B4-BE49-F238E27FC236}">
-                <a16:creationId xmlns="" xmlns:a16="http://schemas.microsoft.com/office/drawing/2014/main" id="{A4293697-6E2C-4331-B4E1-C58B355192F4}"/>
+                <a16:creationId xmlns:a16="http://schemas.microsoft.com/office/drawing/2014/main" id="{A4293697-6E2C-4331-B4E1-C58B355192F4}"/>
               </a:ext>
             </a:extLst>
           </p:cNvPr>
@@ -19879,7 +20003,7 @@
           <p:cNvPr id="6" name="Picture 5" descr="A close up of a logo&#10;&#10;Description automatically generated">
             <a:extLst>
               <a:ext uri="{FF2B5EF4-FFF2-40B4-BE49-F238E27FC236}">
-                <a16:creationId xmlns="" xmlns:a16="http://schemas.microsoft.com/office/drawing/2014/main" id="{08D8E659-ABBD-4E58-8353-D33866EBB3E6}"/>
+                <a16:creationId xmlns:a16="http://schemas.microsoft.com/office/drawing/2014/main" id="{08D8E659-ABBD-4E58-8353-D33866EBB3E6}"/>
               </a:ext>
             </a:extLst>
           </p:cNvPr>
@@ -19915,7 +20039,7 @@
           <p:cNvPr id="7" name="Rectangle 6">
             <a:extLst>
               <a:ext uri="{FF2B5EF4-FFF2-40B4-BE49-F238E27FC236}">
-                <a16:creationId xmlns="" xmlns:a16="http://schemas.microsoft.com/office/drawing/2014/main" id="{D14CB69A-0424-4C01-A311-B65E140C5B4A}"/>
+                <a16:creationId xmlns:a16="http://schemas.microsoft.com/office/drawing/2014/main" id="{D14CB69A-0424-4C01-A311-B65E140C5B4A}"/>
               </a:ext>
             </a:extLst>
           </p:cNvPr>
@@ -20305,7 +20429,7 @@
           <p:cNvPr id="14" name="Straight Connector 13">
             <a:extLst>
               <a:ext uri="{FF2B5EF4-FFF2-40B4-BE49-F238E27FC236}">
-                <a16:creationId xmlns="" xmlns:a16="http://schemas.microsoft.com/office/drawing/2014/main" id="{A4293697-6E2C-4331-B4E1-C58B355192F4}"/>
+                <a16:creationId xmlns:a16="http://schemas.microsoft.com/office/drawing/2014/main" id="{A4293697-6E2C-4331-B4E1-C58B355192F4}"/>
               </a:ext>
             </a:extLst>
           </p:cNvPr>
@@ -20432,21 +20556,21 @@
                 <a:gridCol w="1862083">
                   <a:extLst>
                     <a:ext uri="{9D8B030D-6E8A-4147-A177-3AD203B41FA5}">
-                      <a16:colId xmlns="" xmlns:a16="http://schemas.microsoft.com/office/drawing/2014/main" val="20000"/>
+                      <a16:colId xmlns:a16="http://schemas.microsoft.com/office/drawing/2014/main" val="20000"/>
                     </a:ext>
                   </a:extLst>
                 </a:gridCol>
                 <a:gridCol w="2830454">
                   <a:extLst>
                     <a:ext uri="{9D8B030D-6E8A-4147-A177-3AD203B41FA5}">
-                      <a16:colId xmlns="" xmlns:a16="http://schemas.microsoft.com/office/drawing/2014/main" val="20001"/>
+                      <a16:colId xmlns:a16="http://schemas.microsoft.com/office/drawing/2014/main" val="20001"/>
                     </a:ext>
                   </a:extLst>
                 </a:gridCol>
                 <a:gridCol w="2466761">
                   <a:extLst>
                     <a:ext uri="{9D8B030D-6E8A-4147-A177-3AD203B41FA5}">
-                      <a16:colId xmlns="" xmlns:a16="http://schemas.microsoft.com/office/drawing/2014/main" val="20002"/>
+                      <a16:colId xmlns:a16="http://schemas.microsoft.com/office/drawing/2014/main" val="20002"/>
                     </a:ext>
                   </a:extLst>
                 </a:gridCol>
@@ -20515,7 +20639,7 @@
                 </a:tc>
                 <a:extLst>
                   <a:ext uri="{0D108BD9-81ED-4DB2-BD59-A6C34878D82A}">
-                    <a16:rowId xmlns="" xmlns:a16="http://schemas.microsoft.com/office/drawing/2014/main" val="10000"/>
+                    <a16:rowId xmlns:a16="http://schemas.microsoft.com/office/drawing/2014/main" val="10000"/>
                   </a:ext>
                 </a:extLst>
               </a:tr>
@@ -20555,7 +20679,7 @@
                 </a:tc>
                 <a:extLst>
                   <a:ext uri="{0D108BD9-81ED-4DB2-BD59-A6C34878D82A}">
-                    <a16:rowId xmlns="" xmlns:a16="http://schemas.microsoft.com/office/drawing/2014/main" val="10001"/>
+                    <a16:rowId xmlns:a16="http://schemas.microsoft.com/office/drawing/2014/main" val="10001"/>
                   </a:ext>
                 </a:extLst>
               </a:tr>
@@ -20612,7 +20736,7 @@
                 </a:tc>
                 <a:extLst>
                   <a:ext uri="{0D108BD9-81ED-4DB2-BD59-A6C34878D82A}">
-                    <a16:rowId xmlns="" xmlns:a16="http://schemas.microsoft.com/office/drawing/2014/main" val="10002"/>
+                    <a16:rowId xmlns:a16="http://schemas.microsoft.com/office/drawing/2014/main" val="10002"/>
                   </a:ext>
                 </a:extLst>
               </a:tr>
@@ -20686,7 +20810,7 @@
                 </a:tc>
                 <a:extLst>
                   <a:ext uri="{0D108BD9-81ED-4DB2-BD59-A6C34878D82A}">
-                    <a16:rowId xmlns="" xmlns:a16="http://schemas.microsoft.com/office/drawing/2014/main" val="10003"/>
+                    <a16:rowId xmlns:a16="http://schemas.microsoft.com/office/drawing/2014/main" val="10003"/>
                   </a:ext>
                 </a:extLst>
               </a:tr>
@@ -20743,7 +20867,7 @@
                 </a:tc>
                 <a:extLst>
                   <a:ext uri="{0D108BD9-81ED-4DB2-BD59-A6C34878D82A}">
-                    <a16:rowId xmlns="" xmlns:a16="http://schemas.microsoft.com/office/drawing/2014/main" val="10004"/>
+                    <a16:rowId xmlns:a16="http://schemas.microsoft.com/office/drawing/2014/main" val="10004"/>
                   </a:ext>
                 </a:extLst>
               </a:tr>
@@ -20804,7 +20928,7 @@
                 </a:tc>
                 <a:extLst>
                   <a:ext uri="{0D108BD9-81ED-4DB2-BD59-A6C34878D82A}">
-                    <a16:rowId xmlns="" xmlns:a16="http://schemas.microsoft.com/office/drawing/2014/main" val="10005"/>
+                    <a16:rowId xmlns:a16="http://schemas.microsoft.com/office/drawing/2014/main" val="10005"/>
                   </a:ext>
                 </a:extLst>
               </a:tr>
@@ -20861,7 +20985,7 @@
                 </a:tc>
                 <a:extLst>
                   <a:ext uri="{0D108BD9-81ED-4DB2-BD59-A6C34878D82A}">
-                    <a16:rowId xmlns="" xmlns:a16="http://schemas.microsoft.com/office/drawing/2014/main" val="10006"/>
+                    <a16:rowId xmlns:a16="http://schemas.microsoft.com/office/drawing/2014/main" val="10006"/>
                   </a:ext>
                 </a:extLst>
               </a:tr>
@@ -20918,7 +21042,7 @@
                 </a:tc>
                 <a:extLst>
                   <a:ext uri="{0D108BD9-81ED-4DB2-BD59-A6C34878D82A}">
-                    <a16:rowId xmlns="" xmlns:a16="http://schemas.microsoft.com/office/drawing/2014/main" val="10007"/>
+                    <a16:rowId xmlns:a16="http://schemas.microsoft.com/office/drawing/2014/main" val="10007"/>
                   </a:ext>
                 </a:extLst>
               </a:tr>
@@ -21041,13 +21165,6 @@
   <p:clrMapOvr>
     <a:masterClrMapping/>
   </p:clrMapOvr>
-  <p:timing>
-    <p:tnLst>
-      <p:par>
-        <p:cTn id="1" dur="indefinite" restart="never" nodeType="tmRoot"/>
-      </p:par>
-    </p:tnLst>
-  </p:timing>
 </p:sld>
 </file>
 
@@ -21099,7 +21216,7 @@
           <p:cNvPr id="8" name="Straight Connector 7">
             <a:extLst>
               <a:ext uri="{FF2B5EF4-FFF2-40B4-BE49-F238E27FC236}">
-                <a16:creationId xmlns="" xmlns:a16="http://schemas.microsoft.com/office/drawing/2014/main" id="{A4293697-6E2C-4331-B4E1-C58B355192F4}"/>
+                <a16:creationId xmlns:a16="http://schemas.microsoft.com/office/drawing/2014/main" id="{A4293697-6E2C-4331-B4E1-C58B355192F4}"/>
               </a:ext>
             </a:extLst>
           </p:cNvPr>
@@ -21142,7 +21259,7 @@
           <p:cNvPr id="6" name="Picture 5" descr="A close up of a logo&#10;&#10;Description automatically generated">
             <a:extLst>
               <a:ext uri="{FF2B5EF4-FFF2-40B4-BE49-F238E27FC236}">
-                <a16:creationId xmlns="" xmlns:a16="http://schemas.microsoft.com/office/drawing/2014/main" id="{08D8E659-ABBD-4E58-8353-D33866EBB3E6}"/>
+                <a16:creationId xmlns:a16="http://schemas.microsoft.com/office/drawing/2014/main" id="{08D8E659-ABBD-4E58-8353-D33866EBB3E6}"/>
               </a:ext>
             </a:extLst>
           </p:cNvPr>
@@ -21178,7 +21295,7 @@
           <p:cNvPr id="7" name="Rectangle 6">
             <a:extLst>
               <a:ext uri="{FF2B5EF4-FFF2-40B4-BE49-F238E27FC236}">
-                <a16:creationId xmlns="" xmlns:a16="http://schemas.microsoft.com/office/drawing/2014/main" id="{D14CB69A-0424-4C01-A311-B65E140C5B4A}"/>
+                <a16:creationId xmlns:a16="http://schemas.microsoft.com/office/drawing/2014/main" id="{D14CB69A-0424-4C01-A311-B65E140C5B4A}"/>
               </a:ext>
             </a:extLst>
           </p:cNvPr>
@@ -21568,7 +21685,7 @@
           <p:cNvPr id="14" name="Straight Connector 13">
             <a:extLst>
               <a:ext uri="{FF2B5EF4-FFF2-40B4-BE49-F238E27FC236}">
-                <a16:creationId xmlns="" xmlns:a16="http://schemas.microsoft.com/office/drawing/2014/main" id="{A4293697-6E2C-4331-B4E1-C58B355192F4}"/>
+                <a16:creationId xmlns:a16="http://schemas.microsoft.com/office/drawing/2014/main" id="{A4293697-6E2C-4331-B4E1-C58B355192F4}"/>
               </a:ext>
             </a:extLst>
           </p:cNvPr>
@@ -21788,21 +21905,21 @@
                 <a:gridCol w="2709333">
                   <a:extLst>
                     <a:ext uri="{9D8B030D-6E8A-4147-A177-3AD203B41FA5}">
-                      <a16:colId xmlns="" xmlns:a16="http://schemas.microsoft.com/office/drawing/2014/main" val="20000"/>
+                      <a16:colId xmlns:a16="http://schemas.microsoft.com/office/drawing/2014/main" val="20000"/>
                     </a:ext>
                   </a:extLst>
                 </a:gridCol>
                 <a:gridCol w="2709333">
                   <a:extLst>
                     <a:ext uri="{9D8B030D-6E8A-4147-A177-3AD203B41FA5}">
-                      <a16:colId xmlns="" xmlns:a16="http://schemas.microsoft.com/office/drawing/2014/main" val="20001"/>
+                      <a16:colId xmlns:a16="http://schemas.microsoft.com/office/drawing/2014/main" val="20001"/>
                     </a:ext>
                   </a:extLst>
                 </a:gridCol>
                 <a:gridCol w="2709333">
                   <a:extLst>
                     <a:ext uri="{9D8B030D-6E8A-4147-A177-3AD203B41FA5}">
-                      <a16:colId xmlns="" xmlns:a16="http://schemas.microsoft.com/office/drawing/2014/main" val="20002"/>
+                      <a16:colId xmlns:a16="http://schemas.microsoft.com/office/drawing/2014/main" val="20002"/>
                     </a:ext>
                   </a:extLst>
                 </a:gridCol>
@@ -21851,7 +21968,7 @@
                 </a:tc>
                 <a:extLst>
                   <a:ext uri="{0D108BD9-81ED-4DB2-BD59-A6C34878D82A}">
-                    <a16:rowId xmlns="" xmlns:a16="http://schemas.microsoft.com/office/drawing/2014/main" val="10000"/>
+                    <a16:rowId xmlns:a16="http://schemas.microsoft.com/office/drawing/2014/main" val="10000"/>
                   </a:ext>
                 </a:extLst>
               </a:tr>
@@ -21896,7 +22013,7 @@
                 </a:tc>
                 <a:extLst>
                   <a:ext uri="{0D108BD9-81ED-4DB2-BD59-A6C34878D82A}">
-                    <a16:rowId xmlns="" xmlns:a16="http://schemas.microsoft.com/office/drawing/2014/main" val="10001"/>
+                    <a16:rowId xmlns:a16="http://schemas.microsoft.com/office/drawing/2014/main" val="10001"/>
                   </a:ext>
                 </a:extLst>
               </a:tr>
@@ -21962,7 +22079,7 @@
                 </a:tc>
                 <a:extLst>
                   <a:ext uri="{0D108BD9-81ED-4DB2-BD59-A6C34878D82A}">
-                    <a16:rowId xmlns="" xmlns:a16="http://schemas.microsoft.com/office/drawing/2014/main" val="10002"/>
+                    <a16:rowId xmlns:a16="http://schemas.microsoft.com/office/drawing/2014/main" val="10002"/>
                   </a:ext>
                 </a:extLst>
               </a:tr>
@@ -22006,7 +22123,7 @@
                 </a:tc>
                 <a:extLst>
                   <a:ext uri="{0D108BD9-81ED-4DB2-BD59-A6C34878D82A}">
-                    <a16:rowId xmlns="" xmlns:a16="http://schemas.microsoft.com/office/drawing/2014/main" val="10003"/>
+                    <a16:rowId xmlns:a16="http://schemas.microsoft.com/office/drawing/2014/main" val="10003"/>
                   </a:ext>
                 </a:extLst>
               </a:tr>
@@ -22050,7 +22167,7 @@
                 </a:tc>
                 <a:extLst>
                   <a:ext uri="{0D108BD9-81ED-4DB2-BD59-A6C34878D82A}">
-                    <a16:rowId xmlns="" xmlns:a16="http://schemas.microsoft.com/office/drawing/2014/main" val="10004"/>
+                    <a16:rowId xmlns:a16="http://schemas.microsoft.com/office/drawing/2014/main" val="10004"/>
                   </a:ext>
                 </a:extLst>
               </a:tr>
@@ -22068,13 +22185,6 @@
   <p:clrMapOvr>
     <a:masterClrMapping/>
   </p:clrMapOvr>
-  <p:timing>
-    <p:tnLst>
-      <p:par>
-        <p:cTn id="1" dur="indefinite" restart="never" nodeType="tmRoot"/>
-      </p:par>
-    </p:tnLst>
-  </p:timing>
 </p:sld>
 </file>
 
@@ -22100,7 +22210,7 @@
           <p:cNvPr id="8" name="Straight Connector 7">
             <a:extLst>
               <a:ext uri="{FF2B5EF4-FFF2-40B4-BE49-F238E27FC236}">
-                <a16:creationId xmlns="" xmlns:a16="http://schemas.microsoft.com/office/drawing/2014/main" id="{A4293697-6E2C-4331-B4E1-C58B355192F4}"/>
+                <a16:creationId xmlns:a16="http://schemas.microsoft.com/office/drawing/2014/main" id="{A4293697-6E2C-4331-B4E1-C58B355192F4}"/>
               </a:ext>
             </a:extLst>
           </p:cNvPr>
@@ -22143,7 +22253,7 @@
           <p:cNvPr id="6" name="Picture 5" descr="A close up of a logo&#10;&#10;Description automatically generated">
             <a:extLst>
               <a:ext uri="{FF2B5EF4-FFF2-40B4-BE49-F238E27FC236}">
-                <a16:creationId xmlns="" xmlns:a16="http://schemas.microsoft.com/office/drawing/2014/main" id="{08D8E659-ABBD-4E58-8353-D33866EBB3E6}"/>
+                <a16:creationId xmlns:a16="http://schemas.microsoft.com/office/drawing/2014/main" id="{08D8E659-ABBD-4E58-8353-D33866EBB3E6}"/>
               </a:ext>
             </a:extLst>
           </p:cNvPr>
@@ -22179,7 +22289,7 @@
           <p:cNvPr id="7" name="Rectangle 6">
             <a:extLst>
               <a:ext uri="{FF2B5EF4-FFF2-40B4-BE49-F238E27FC236}">
-                <a16:creationId xmlns="" xmlns:a16="http://schemas.microsoft.com/office/drawing/2014/main" id="{D14CB69A-0424-4C01-A311-B65E140C5B4A}"/>
+                <a16:creationId xmlns:a16="http://schemas.microsoft.com/office/drawing/2014/main" id="{D14CB69A-0424-4C01-A311-B65E140C5B4A}"/>
               </a:ext>
             </a:extLst>
           </p:cNvPr>
@@ -22569,7 +22679,7 @@
           <p:cNvPr id="14" name="Straight Connector 13">
             <a:extLst>
               <a:ext uri="{FF2B5EF4-FFF2-40B4-BE49-F238E27FC236}">
-                <a16:creationId xmlns="" xmlns:a16="http://schemas.microsoft.com/office/drawing/2014/main" id="{A4293697-6E2C-4331-B4E1-C58B355192F4}"/>
+                <a16:creationId xmlns:a16="http://schemas.microsoft.com/office/drawing/2014/main" id="{A4293697-6E2C-4331-B4E1-C58B355192F4}"/>
               </a:ext>
             </a:extLst>
           </p:cNvPr>
@@ -22939,13 +23049,6 @@
   <p:clrMapOvr>
     <a:masterClrMapping/>
   </p:clrMapOvr>
-  <p:timing>
-    <p:tnLst>
-      <p:par>
-        <p:cTn id="1" dur="indefinite" restart="never" nodeType="tmRoot"/>
-      </p:par>
-    </p:tnLst>
-  </p:timing>
 </p:sld>
 </file>
 
@@ -22971,7 +23074,7 @@
           <p:cNvPr id="8" name="Straight Connector 7">
             <a:extLst>
               <a:ext uri="{FF2B5EF4-FFF2-40B4-BE49-F238E27FC236}">
-                <a16:creationId xmlns="" xmlns:a16="http://schemas.microsoft.com/office/drawing/2014/main" id="{A4293697-6E2C-4331-B4E1-C58B355192F4}"/>
+                <a16:creationId xmlns:a16="http://schemas.microsoft.com/office/drawing/2014/main" id="{A4293697-6E2C-4331-B4E1-C58B355192F4}"/>
               </a:ext>
             </a:extLst>
           </p:cNvPr>
@@ -23014,7 +23117,7 @@
           <p:cNvPr id="6" name="Picture 5" descr="A close up of a logo&#10;&#10;Description automatically generated">
             <a:extLst>
               <a:ext uri="{FF2B5EF4-FFF2-40B4-BE49-F238E27FC236}">
-                <a16:creationId xmlns="" xmlns:a16="http://schemas.microsoft.com/office/drawing/2014/main" id="{08D8E659-ABBD-4E58-8353-D33866EBB3E6}"/>
+                <a16:creationId xmlns:a16="http://schemas.microsoft.com/office/drawing/2014/main" id="{08D8E659-ABBD-4E58-8353-D33866EBB3E6}"/>
               </a:ext>
             </a:extLst>
           </p:cNvPr>
@@ -23050,7 +23153,7 @@
           <p:cNvPr id="7" name="Rectangle 6">
             <a:extLst>
               <a:ext uri="{FF2B5EF4-FFF2-40B4-BE49-F238E27FC236}">
-                <a16:creationId xmlns="" xmlns:a16="http://schemas.microsoft.com/office/drawing/2014/main" id="{D14CB69A-0424-4C01-A311-B65E140C5B4A}"/>
+                <a16:creationId xmlns:a16="http://schemas.microsoft.com/office/drawing/2014/main" id="{D14CB69A-0424-4C01-A311-B65E140C5B4A}"/>
               </a:ext>
             </a:extLst>
           </p:cNvPr>
@@ -23758,7 +23861,7 @@
           <p:cNvPr id="3" name="Straight Connector 2">
             <a:extLst>
               <a:ext uri="{FF2B5EF4-FFF2-40B4-BE49-F238E27FC236}">
-                <a16:creationId xmlns="" xmlns:a16="http://schemas.microsoft.com/office/drawing/2014/main" id="{AF9F4875-25FC-488B-9E8C-AF87909771D5}"/>
+                <a16:creationId xmlns:a16="http://schemas.microsoft.com/office/drawing/2014/main" id="{AF9F4875-25FC-488B-9E8C-AF87909771D5}"/>
               </a:ext>
             </a:extLst>
           </p:cNvPr>
@@ -23794,7 +23897,7 @@
           <p:cNvPr id="5" name="Straight Connector 4">
             <a:extLst>
               <a:ext uri="{FF2B5EF4-FFF2-40B4-BE49-F238E27FC236}">
-                <a16:creationId xmlns="" xmlns:a16="http://schemas.microsoft.com/office/drawing/2014/main" id="{77A39E66-E775-472B-96D7-4F1D1BD69547}"/>
+                <a16:creationId xmlns:a16="http://schemas.microsoft.com/office/drawing/2014/main" id="{77A39E66-E775-472B-96D7-4F1D1BD69547}"/>
               </a:ext>
             </a:extLst>
           </p:cNvPr>
@@ -23832,7 +23935,7 @@
           <p:cNvPr id="10" name="Straight Connector 9">
             <a:extLst>
               <a:ext uri="{FF2B5EF4-FFF2-40B4-BE49-F238E27FC236}">
-                <a16:creationId xmlns="" xmlns:a16="http://schemas.microsoft.com/office/drawing/2014/main" id="{8582F9A7-7B52-44B9-B04B-D826641BFA11}"/>
+                <a16:creationId xmlns:a16="http://schemas.microsoft.com/office/drawing/2014/main" id="{8582F9A7-7B52-44B9-B04B-D826641BFA11}"/>
               </a:ext>
             </a:extLst>
           </p:cNvPr>
@@ -23868,7 +23971,7 @@
           <p:cNvPr id="12" name="Straight Connector 11">
             <a:extLst>
               <a:ext uri="{FF2B5EF4-FFF2-40B4-BE49-F238E27FC236}">
-                <a16:creationId xmlns="" xmlns:a16="http://schemas.microsoft.com/office/drawing/2014/main" id="{C4D7314B-9D3C-4D62-B5E9-D533C9B94BFD}"/>
+                <a16:creationId xmlns:a16="http://schemas.microsoft.com/office/drawing/2014/main" id="{C4D7314B-9D3C-4D62-B5E9-D533C9B94BFD}"/>
               </a:ext>
             </a:extLst>
           </p:cNvPr>
@@ -23904,7 +24007,7 @@
           <p:cNvPr id="13" name="Rectangle 12">
             <a:extLst>
               <a:ext uri="{FF2B5EF4-FFF2-40B4-BE49-F238E27FC236}">
-                <a16:creationId xmlns="" xmlns:a16="http://schemas.microsoft.com/office/drawing/2014/main" id="{7DEE6EE6-38ED-4A1C-85CF-CA7E6E029198}"/>
+                <a16:creationId xmlns:a16="http://schemas.microsoft.com/office/drawing/2014/main" id="{7DEE6EE6-38ED-4A1C-85CF-CA7E6E029198}"/>
               </a:ext>
             </a:extLst>
           </p:cNvPr>
@@ -23952,7 +24055,7 @@
           <p:cNvPr id="14" name="Rectangle 13">
             <a:extLst>
               <a:ext uri="{FF2B5EF4-FFF2-40B4-BE49-F238E27FC236}">
-                <a16:creationId xmlns="" xmlns:a16="http://schemas.microsoft.com/office/drawing/2014/main" id="{10A9A22D-279F-4B49-A3F7-076738470499}"/>
+                <a16:creationId xmlns:a16="http://schemas.microsoft.com/office/drawing/2014/main" id="{10A9A22D-279F-4B49-A3F7-076738470499}"/>
               </a:ext>
             </a:extLst>
           </p:cNvPr>
@@ -24000,7 +24103,7 @@
           <p:cNvPr id="16" name="Rectangle 15">
             <a:extLst>
               <a:ext uri="{FF2B5EF4-FFF2-40B4-BE49-F238E27FC236}">
-                <a16:creationId xmlns="" xmlns:a16="http://schemas.microsoft.com/office/drawing/2014/main" id="{51B50145-77D9-4E60-B12A-0BAE05604843}"/>
+                <a16:creationId xmlns:a16="http://schemas.microsoft.com/office/drawing/2014/main" id="{51B50145-77D9-4E60-B12A-0BAE05604843}"/>
               </a:ext>
             </a:extLst>
           </p:cNvPr>
@@ -24096,7 +24199,7 @@
           <p:cNvPr id="33" name="Group 32">
             <a:extLst>
               <a:ext uri="{FF2B5EF4-FFF2-40B4-BE49-F238E27FC236}">
-                <a16:creationId xmlns="" xmlns:a16="http://schemas.microsoft.com/office/drawing/2014/main" id="{D1A6AECC-D2C6-43C4-9FB4-45BED10DBDE5}"/>
+                <a16:creationId xmlns:a16="http://schemas.microsoft.com/office/drawing/2014/main" id="{D1A6AECC-D2C6-43C4-9FB4-45BED10DBDE5}"/>
               </a:ext>
             </a:extLst>
           </p:cNvPr>
@@ -24116,7 +24219,7 @@
             <p:cNvPr id="18" name="Straight Connector 17">
               <a:extLst>
                 <a:ext uri="{FF2B5EF4-FFF2-40B4-BE49-F238E27FC236}">
-                  <a16:creationId xmlns="" xmlns:a16="http://schemas.microsoft.com/office/drawing/2014/main" id="{6AF48D1D-21FA-414F-8796-AC1CC43C4372}"/>
+                  <a16:creationId xmlns:a16="http://schemas.microsoft.com/office/drawing/2014/main" id="{6AF48D1D-21FA-414F-8796-AC1CC43C4372}"/>
                 </a:ext>
               </a:extLst>
             </p:cNvPr>
@@ -24154,7 +24257,7 @@
             <p:cNvPr id="21" name="TextBox 20">
               <a:extLst>
                 <a:ext uri="{FF2B5EF4-FFF2-40B4-BE49-F238E27FC236}">
-                  <a16:creationId xmlns="" xmlns:a16="http://schemas.microsoft.com/office/drawing/2014/main" id="{1DA94041-9B1A-41DA-8090-B6CCFC32D1E3}"/>
+                  <a16:creationId xmlns:a16="http://schemas.microsoft.com/office/drawing/2014/main" id="{1DA94041-9B1A-41DA-8090-B6CCFC32D1E3}"/>
                 </a:ext>
               </a:extLst>
             </p:cNvPr>
@@ -24190,7 +24293,7 @@
             <p:cNvPr id="23" name="Straight Arrow Connector 22">
               <a:extLst>
                 <a:ext uri="{FF2B5EF4-FFF2-40B4-BE49-F238E27FC236}">
-                  <a16:creationId xmlns="" xmlns:a16="http://schemas.microsoft.com/office/drawing/2014/main" id="{D13F6AF7-81D5-47DC-A385-767D66A811F6}"/>
+                  <a16:creationId xmlns:a16="http://schemas.microsoft.com/office/drawing/2014/main" id="{D13F6AF7-81D5-47DC-A385-767D66A811F6}"/>
                 </a:ext>
               </a:extLst>
             </p:cNvPr>
@@ -24231,7 +24334,7 @@
             <p:cNvPr id="28" name="Straight Connector 27">
               <a:extLst>
                 <a:ext uri="{FF2B5EF4-FFF2-40B4-BE49-F238E27FC236}">
-                  <a16:creationId xmlns="" xmlns:a16="http://schemas.microsoft.com/office/drawing/2014/main" id="{933B4E9F-EE5B-4B64-8340-1D8B121EFE18}"/>
+                  <a16:creationId xmlns:a16="http://schemas.microsoft.com/office/drawing/2014/main" id="{933B4E9F-EE5B-4B64-8340-1D8B121EFE18}"/>
                 </a:ext>
               </a:extLst>
             </p:cNvPr>
@@ -24269,7 +24372,7 @@
             <p:cNvPr id="29" name="TextBox 28">
               <a:extLst>
                 <a:ext uri="{FF2B5EF4-FFF2-40B4-BE49-F238E27FC236}">
-                  <a16:creationId xmlns="" xmlns:a16="http://schemas.microsoft.com/office/drawing/2014/main" id="{BEC1C9A9-5910-4F87-9633-884114900699}"/>
+                  <a16:creationId xmlns:a16="http://schemas.microsoft.com/office/drawing/2014/main" id="{BEC1C9A9-5910-4F87-9633-884114900699}"/>
                 </a:ext>
               </a:extLst>
             </p:cNvPr>
@@ -24311,13 +24414,6 @@
   <p:clrMapOvr>
     <a:masterClrMapping/>
   </p:clrMapOvr>
-  <p:timing>
-    <p:tnLst>
-      <p:par>
-        <p:cTn id="1" dur="indefinite" restart="never" nodeType="tmRoot"/>
-      </p:par>
-    </p:tnLst>
-  </p:timing>
 </p:sld>
 </file>
 
@@ -24343,7 +24439,7 @@
           <p:cNvPr id="8" name="Straight Connector 7">
             <a:extLst>
               <a:ext uri="{FF2B5EF4-FFF2-40B4-BE49-F238E27FC236}">
-                <a16:creationId xmlns="" xmlns:a16="http://schemas.microsoft.com/office/drawing/2014/main" id="{A4293697-6E2C-4331-B4E1-C58B355192F4}"/>
+                <a16:creationId xmlns:a16="http://schemas.microsoft.com/office/drawing/2014/main" id="{A4293697-6E2C-4331-B4E1-C58B355192F4}"/>
               </a:ext>
             </a:extLst>
           </p:cNvPr>
@@ -24386,7 +24482,7 @@
           <p:cNvPr id="6" name="Picture 5" descr="A close up of a logo&#10;&#10;Description automatically generated">
             <a:extLst>
               <a:ext uri="{FF2B5EF4-FFF2-40B4-BE49-F238E27FC236}">
-                <a16:creationId xmlns="" xmlns:a16="http://schemas.microsoft.com/office/drawing/2014/main" id="{08D8E659-ABBD-4E58-8353-D33866EBB3E6}"/>
+                <a16:creationId xmlns:a16="http://schemas.microsoft.com/office/drawing/2014/main" id="{08D8E659-ABBD-4E58-8353-D33866EBB3E6}"/>
               </a:ext>
             </a:extLst>
           </p:cNvPr>
@@ -24422,7 +24518,7 @@
           <p:cNvPr id="7" name="Rectangle 6">
             <a:extLst>
               <a:ext uri="{FF2B5EF4-FFF2-40B4-BE49-F238E27FC236}">
-                <a16:creationId xmlns="" xmlns:a16="http://schemas.microsoft.com/office/drawing/2014/main" id="{D14CB69A-0424-4C01-A311-B65E140C5B4A}"/>
+                <a16:creationId xmlns:a16="http://schemas.microsoft.com/office/drawing/2014/main" id="{D14CB69A-0424-4C01-A311-B65E140C5B4A}"/>
               </a:ext>
             </a:extLst>
           </p:cNvPr>
@@ -25099,7 +25195,7 @@
           <p:cNvPr id="15" name="Group 14">
             <a:extLst>
               <a:ext uri="{FF2B5EF4-FFF2-40B4-BE49-F238E27FC236}">
-                <a16:creationId xmlns="" xmlns:a16="http://schemas.microsoft.com/office/drawing/2014/main" id="{91EDE009-BD2E-4F97-A289-7560AFB5EACD}"/>
+                <a16:creationId xmlns:a16="http://schemas.microsoft.com/office/drawing/2014/main" id="{91EDE009-BD2E-4F97-A289-7560AFB5EACD}"/>
               </a:ext>
             </a:extLst>
           </p:cNvPr>
@@ -25119,7 +25215,7 @@
             <p:cNvPr id="16" name="Straight Connector 15">
               <a:extLst>
                 <a:ext uri="{FF2B5EF4-FFF2-40B4-BE49-F238E27FC236}">
-                  <a16:creationId xmlns="" xmlns:a16="http://schemas.microsoft.com/office/drawing/2014/main" id="{73696741-3B9F-4493-BF57-D0DB579123AA}"/>
+                  <a16:creationId xmlns:a16="http://schemas.microsoft.com/office/drawing/2014/main" id="{73696741-3B9F-4493-BF57-D0DB579123AA}"/>
                 </a:ext>
               </a:extLst>
             </p:cNvPr>
@@ -25157,7 +25253,7 @@
             <p:cNvPr id="17" name="TextBox 16">
               <a:extLst>
                 <a:ext uri="{FF2B5EF4-FFF2-40B4-BE49-F238E27FC236}">
-                  <a16:creationId xmlns="" xmlns:a16="http://schemas.microsoft.com/office/drawing/2014/main" id="{9A249E10-98FD-4337-ACA4-311D8584039E}"/>
+                  <a16:creationId xmlns:a16="http://schemas.microsoft.com/office/drawing/2014/main" id="{9A249E10-98FD-4337-ACA4-311D8584039E}"/>
                 </a:ext>
               </a:extLst>
             </p:cNvPr>
@@ -25193,7 +25289,7 @@
             <p:cNvPr id="18" name="Straight Arrow Connector 17">
               <a:extLst>
                 <a:ext uri="{FF2B5EF4-FFF2-40B4-BE49-F238E27FC236}">
-                  <a16:creationId xmlns="" xmlns:a16="http://schemas.microsoft.com/office/drawing/2014/main" id="{B09916D9-68C2-4A97-9B2A-7844E60C0238}"/>
+                  <a16:creationId xmlns:a16="http://schemas.microsoft.com/office/drawing/2014/main" id="{B09916D9-68C2-4A97-9B2A-7844E60C0238}"/>
                 </a:ext>
               </a:extLst>
             </p:cNvPr>
@@ -25234,7 +25330,7 @@
             <p:cNvPr id="21" name="Straight Connector 20">
               <a:extLst>
                 <a:ext uri="{FF2B5EF4-FFF2-40B4-BE49-F238E27FC236}">
-                  <a16:creationId xmlns="" xmlns:a16="http://schemas.microsoft.com/office/drawing/2014/main" id="{6EB84B33-77B1-474C-961C-59A073DE78DF}"/>
+                  <a16:creationId xmlns:a16="http://schemas.microsoft.com/office/drawing/2014/main" id="{6EB84B33-77B1-474C-961C-59A073DE78DF}"/>
                 </a:ext>
               </a:extLst>
             </p:cNvPr>
@@ -25272,7 +25368,7 @@
             <p:cNvPr id="22" name="TextBox 21">
               <a:extLst>
                 <a:ext uri="{FF2B5EF4-FFF2-40B4-BE49-F238E27FC236}">
-                  <a16:creationId xmlns="" xmlns:a16="http://schemas.microsoft.com/office/drawing/2014/main" id="{B8777CDA-F7B2-4852-95DB-FCF30D7C3508}"/>
+                  <a16:creationId xmlns:a16="http://schemas.microsoft.com/office/drawing/2014/main" id="{B8777CDA-F7B2-4852-95DB-FCF30D7C3508}"/>
                 </a:ext>
               </a:extLst>
             </p:cNvPr>
@@ -25314,13 +25410,6 @@
   <p:clrMapOvr>
     <a:masterClrMapping/>
   </p:clrMapOvr>
-  <p:timing>
-    <p:tnLst>
-      <p:par>
-        <p:cTn id="1" dur="indefinite" restart="never" nodeType="tmRoot"/>
-      </p:par>
-    </p:tnLst>
-  </p:timing>
 </p:sld>
 </file>
 
@@ -25613,7 +25702,7 @@
   <a:extraClrSchemeLst/>
   <a:extLst>
     <a:ext uri="{05A4C25C-085E-4340-85A3-A5531E510DB2}">
-      <thm15:themeFamily xmlns="" xmlns:thm15="http://schemas.microsoft.com/office/thememl/2012/main" name="Office Theme" id="{62F939B6-93AF-4DB8-9C6B-D6C7DFDC589F}" vid="{4A3C46E8-61CC-4603-A589-7422A47A8E4A}"/>
+      <thm15:themeFamily xmlns:thm15="http://schemas.microsoft.com/office/thememl/2012/main" name="Office Theme" id="{62F939B6-93AF-4DB8-9C6B-D6C7DFDC589F}" vid="{4A3C46E8-61CC-4603-A589-7422A47A8E4A}"/>
     </a:ext>
   </a:extLst>
 </a:theme>
